--- a/sos-tutorial.pptx
+++ b/sos-tutorial.pptx
@@ -5,7 +5,7 @@
     <p:sldMasterId id="2147483672" r:id="rId1"/>
   </p:sldMasterIdLst>
   <p:notesMasterIdLst>
-    <p:notesMasterId r:id="rId19"/>
+    <p:notesMasterId r:id="rId20"/>
   </p:notesMasterIdLst>
   <p:sldIdLst>
     <p:sldId id="266" r:id="rId2"/>
@@ -13,18 +13,19 @@
     <p:sldId id="324" r:id="rId4"/>
     <p:sldId id="307" r:id="rId5"/>
     <p:sldId id="311" r:id="rId6"/>
-    <p:sldId id="288" r:id="rId7"/>
-    <p:sldId id="289" r:id="rId8"/>
-    <p:sldId id="312" r:id="rId9"/>
-    <p:sldId id="319" r:id="rId10"/>
-    <p:sldId id="329" r:id="rId11"/>
-    <p:sldId id="277" r:id="rId12"/>
-    <p:sldId id="273" r:id="rId13"/>
-    <p:sldId id="317" r:id="rId14"/>
-    <p:sldId id="276" r:id="rId15"/>
-    <p:sldId id="278" r:id="rId16"/>
-    <p:sldId id="328" r:id="rId17"/>
-    <p:sldId id="297" r:id="rId18"/>
+    <p:sldId id="330" r:id="rId7"/>
+    <p:sldId id="288" r:id="rId8"/>
+    <p:sldId id="289" r:id="rId9"/>
+    <p:sldId id="312" r:id="rId10"/>
+    <p:sldId id="319" r:id="rId11"/>
+    <p:sldId id="329" r:id="rId12"/>
+    <p:sldId id="277" r:id="rId13"/>
+    <p:sldId id="273" r:id="rId14"/>
+    <p:sldId id="317" r:id="rId15"/>
+    <p:sldId id="276" r:id="rId16"/>
+    <p:sldId id="278" r:id="rId17"/>
+    <p:sldId id="328" r:id="rId18"/>
+    <p:sldId id="297" r:id="rId19"/>
   </p:sldIdLst>
   <p:sldSz cx="9144000" cy="6858000" type="screen4x3"/>
   <p:notesSz cx="6858000" cy="9144000"/>
@@ -5481,6 +5482,14 @@
 <file path=ppt/slides/slide10.xml><?xml version="1.0" encoding="utf-8"?>
 <p:sld xmlns:a="http://schemas.openxmlformats.org/drawingml/2006/main" xmlns:r="http://schemas.openxmlformats.org/officeDocument/2006/relationships" xmlns:p="http://schemas.openxmlformats.org/presentationml/2006/main">
   <p:cSld>
+    <p:bg>
+      <p:bgPr>
+        <a:solidFill>
+          <a:schemeClr val="bg1"/>
+        </a:solidFill>
+        <a:effectLst/>
+      </p:bgPr>
+    </p:bg>
     <p:spTree>
       <p:nvGrpSpPr>
         <p:cNvPr id="1" name=""/>
@@ -5495,12 +5504,156 @@
           <a:chExt cx="0" cy="0"/>
         </a:xfrm>
       </p:grpSpPr>
+      <p:sp useBgFill="1">
+        <p:nvSpPr>
+          <p:cNvPr id="11" name="Rectangle 10">
+            <a:extLst>
+              <a:ext uri="{FF2B5EF4-FFF2-40B4-BE49-F238E27FC236}">
+                <a16:creationId xmlns:a16="http://schemas.microsoft.com/office/drawing/2014/main" id="{3741B58E-3B65-4A01-A276-975AB2CF8A08}"/>
+              </a:ext>
+              <a:ext uri="{C183D7F6-B498-43B3-948B-1728B52AA6E4}">
+                <adec:decorative xmlns:adec="http://schemas.microsoft.com/office/drawing/2017/decorative" val="1"/>
+              </a:ext>
+            </a:extLst>
+          </p:cNvPr>
+          <p:cNvSpPr>
+            <a:spLocks noGrp="1" noRot="1" noChangeAspect="1" noMove="1" noResize="1" noEditPoints="1" noAdjustHandles="1" noChangeArrowheads="1" noChangeShapeType="1" noTextEdit="1"/>
+          </p:cNvSpPr>
+          <p:nvPr>
+            <p:extLst>
+              <p:ext uri="{386F3935-93C4-4BCD-93E2-E3B085C9AB24}">
+                <p16:designElem xmlns:p16="http://schemas.microsoft.com/office/powerpoint/2015/main" val="1"/>
+              </p:ext>
+            </p:extLst>
+          </p:nvPr>
+        </p:nvSpPr>
+        <p:spPr>
+          <a:xfrm>
+            <a:off x="0" y="0"/>
+            <a:ext cx="9139736" cy="6858000"/>
+          </a:xfrm>
+          <a:prstGeom prst="rect">
+            <a:avLst/>
+          </a:prstGeom>
+          <a:ln>
+            <a:noFill/>
+          </a:ln>
+        </p:spPr>
+        <p:style>
+          <a:lnRef idx="2">
+            <a:schemeClr val="accent6">
+              <a:shade val="50000"/>
+            </a:schemeClr>
+          </a:lnRef>
+          <a:fillRef idx="1001">
+            <a:schemeClr val="lt1"/>
+          </a:fillRef>
+          <a:effectRef idx="0">
+            <a:schemeClr val="accent6"/>
+          </a:effectRef>
+          <a:fontRef idx="minor">
+            <a:schemeClr val="lt1"/>
+          </a:fontRef>
+        </p:style>
+        <p:txBody>
+          <a:bodyPr rtlCol="0" anchor="ctr"/>
+          <a:lstStyle/>
+          <a:p>
+            <a:pPr marL="0" marR="0" lvl="0" indent="0" algn="ctr" defTabSz="457200" rtl="0" eaLnBrk="1" fontAlgn="auto" latinLnBrk="0" hangingPunct="1">
+              <a:lnSpc>
+                <a:spcPct val="100000"/>
+              </a:lnSpc>
+              <a:spcBef>
+                <a:spcPts val="0"/>
+              </a:spcBef>
+              <a:spcAft>
+                <a:spcPts val="0"/>
+              </a:spcAft>
+              <a:buClrTx/>
+              <a:buSzTx/>
+              <a:buFontTx/>
+              <a:buNone/>
+              <a:tabLst/>
+              <a:defRPr/>
+            </a:pPr>
+            <a:endParaRPr kumimoji="0" lang="en-US" sz="1800" b="0" i="0" u="none" strike="noStrike" kern="1200" cap="none" spc="0" normalizeH="0" baseline="0" noProof="0">
+              <a:ln>
+                <a:noFill/>
+              </a:ln>
+              <a:solidFill>
+                <a:prstClr val="white"/>
+              </a:solidFill>
+              <a:effectLst/>
+              <a:uLnTx/>
+              <a:uFillTx/>
+              <a:latin typeface="Calibri" panose="020F0502020204030204"/>
+              <a:ea typeface="+mn-ea"/>
+              <a:cs typeface="+mn-cs"/>
+            </a:endParaRPr>
+          </a:p>
+        </p:txBody>
+      </p:sp>
+      <p:sp>
+        <p:nvSpPr>
+          <p:cNvPr id="13" name="Rectangle 12">
+            <a:extLst>
+              <a:ext uri="{FF2B5EF4-FFF2-40B4-BE49-F238E27FC236}">
+                <a16:creationId xmlns:a16="http://schemas.microsoft.com/office/drawing/2014/main" id="{7AAC67C3-831B-4AB1-A259-DFB839CAFAFC}"/>
+              </a:ext>
+              <a:ext uri="{C183D7F6-B498-43B3-948B-1728B52AA6E4}">
+                <adec:decorative xmlns:adec="http://schemas.microsoft.com/office/drawing/2017/decorative" val="1"/>
+              </a:ext>
+            </a:extLst>
+          </p:cNvPr>
+          <p:cNvSpPr>
+            <a:spLocks noGrp="1" noRot="1" noChangeAspect="1" noMove="1" noResize="1" noEditPoints="1" noAdjustHandles="1" noChangeArrowheads="1" noChangeShapeType="1" noTextEdit="1"/>
+          </p:cNvSpPr>
+          <p:nvPr>
+            <p:extLst>
+              <p:ext uri="{386F3935-93C4-4BCD-93E2-E3B085C9AB24}">
+                <p16:designElem xmlns:p16="http://schemas.microsoft.com/office/powerpoint/2015/main" val="1"/>
+              </p:ext>
+            </p:extLst>
+          </p:nvPr>
+        </p:nvSpPr>
+        <p:spPr>
+          <a:xfrm>
+            <a:off x="12" y="0"/>
+            <a:ext cx="3038093" cy="6858000"/>
+          </a:xfrm>
+          <a:prstGeom prst="rect">
+            <a:avLst/>
+          </a:prstGeom>
+          <a:solidFill>
+            <a:schemeClr val="accent2"/>
+          </a:solidFill>
+          <a:ln>
+            <a:noFill/>
+          </a:ln>
+        </p:spPr>
+        <p:style>
+          <a:lnRef idx="2">
+            <a:schemeClr val="accent1">
+              <a:shade val="50000"/>
+            </a:schemeClr>
+          </a:lnRef>
+          <a:fillRef idx="1">
+            <a:schemeClr val="accent1"/>
+          </a:fillRef>
+          <a:effectRef idx="0">
+            <a:schemeClr val="accent1"/>
+          </a:effectRef>
+          <a:fontRef idx="minor">
+            <a:schemeClr val="lt1"/>
+          </a:fontRef>
+        </p:style>
+      </p:sp>
       <p:sp>
         <p:nvSpPr>
           <p:cNvPr id="2" name="Title 1">
             <a:extLst>
               <a:ext uri="{FF2B5EF4-FFF2-40B4-BE49-F238E27FC236}">
-                <a16:creationId xmlns:a16="http://schemas.microsoft.com/office/drawing/2014/main" id="{54D0EA18-9A07-4E47-95DE-3F42BC76F540}"/>
+                <a16:creationId xmlns:a16="http://schemas.microsoft.com/office/drawing/2014/main" id="{6D055F5A-87C3-4413-9AA8-95BD8D2408B2}"/>
               </a:ext>
             </a:extLst>
           </p:cNvPr>
@@ -5511,25 +5664,90 @@
             <p:ph type="title"/>
           </p:nvPr>
         </p:nvSpPr>
-        <p:spPr/>
-        <p:txBody>
-          <a:bodyPr/>
-          <a:lstStyle/>
-          <a:p>
-            <a:r>
-              <a:rPr lang="fi-FI" dirty="0"/>
-              <a:t>Download Scripts </a:t>
-            </a:r>
-            <a:endParaRPr lang="en-US" dirty="0"/>
-          </a:p>
-        </p:txBody>
+        <p:spPr>
+          <a:xfrm>
+            <a:off x="369277" y="605896"/>
+            <a:ext cx="2313633" cy="5646208"/>
+          </a:xfrm>
+        </p:spPr>
+        <p:txBody>
+          <a:bodyPr anchor="ctr">
+            <a:normAutofit/>
+          </a:bodyPr>
+          <a:lstStyle/>
+          <a:p>
+            <a:r>
+              <a:rPr lang="en-US" sz="3100" dirty="0">
+                <a:solidFill>
+                  <a:srgbClr val="FFFFFF"/>
+                </a:solidFill>
+              </a:rPr>
+              <a:t>Live Demo</a:t>
+            </a:r>
+          </a:p>
+        </p:txBody>
+      </p:sp>
+      <p:sp>
+        <p:nvSpPr>
+          <p:cNvPr id="15" name="Rectangle 14">
+            <a:extLst>
+              <a:ext uri="{FF2B5EF4-FFF2-40B4-BE49-F238E27FC236}">
+                <a16:creationId xmlns:a16="http://schemas.microsoft.com/office/drawing/2014/main" id="{054B3F04-9EAC-45C0-B3CE-0387EEA10A0C}"/>
+              </a:ext>
+              <a:ext uri="{C183D7F6-B498-43B3-948B-1728B52AA6E4}">
+                <adec:decorative xmlns:adec="http://schemas.microsoft.com/office/drawing/2017/decorative" val="1"/>
+              </a:ext>
+            </a:extLst>
+          </p:cNvPr>
+          <p:cNvSpPr>
+            <a:spLocks noGrp="1" noRot="1" noChangeAspect="1" noMove="1" noResize="1" noEditPoints="1" noAdjustHandles="1" noChangeArrowheads="1" noChangeShapeType="1" noTextEdit="1"/>
+          </p:cNvSpPr>
+          <p:nvPr>
+            <p:extLst>
+              <p:ext uri="{386F3935-93C4-4BCD-93E2-E3B085C9AB24}">
+                <p16:designElem xmlns:p16="http://schemas.microsoft.com/office/powerpoint/2015/main" val="1"/>
+              </p:ext>
+            </p:extLst>
+          </p:nvPr>
+        </p:nvSpPr>
+        <p:spPr>
+          <a:xfrm>
+            <a:off x="3030053" y="0"/>
+            <a:ext cx="48006" cy="6858000"/>
+          </a:xfrm>
+          <a:prstGeom prst="rect">
+            <a:avLst/>
+          </a:prstGeom>
+          <a:solidFill>
+            <a:schemeClr val="accent1"/>
+          </a:solidFill>
+          <a:ln>
+            <a:noFill/>
+          </a:ln>
+        </p:spPr>
+        <p:style>
+          <a:lnRef idx="2">
+            <a:schemeClr val="accent1">
+              <a:shade val="50000"/>
+            </a:schemeClr>
+          </a:lnRef>
+          <a:fillRef idx="1">
+            <a:schemeClr val="accent1"/>
+          </a:fillRef>
+          <a:effectRef idx="0">
+            <a:schemeClr val="accent1"/>
+          </a:effectRef>
+          <a:fontRef idx="minor">
+            <a:schemeClr val="lt1"/>
+          </a:fontRef>
+        </p:style>
       </p:sp>
       <p:sp>
         <p:nvSpPr>
           <p:cNvPr id="3" name="Content Placeholder 2">
             <a:extLst>
               <a:ext uri="{FF2B5EF4-FFF2-40B4-BE49-F238E27FC236}">
-                <a16:creationId xmlns:a16="http://schemas.microsoft.com/office/drawing/2014/main" id="{EF4B2F79-D000-44DF-87A0-CC1B10F72BC3}"/>
+                <a16:creationId xmlns:a16="http://schemas.microsoft.com/office/drawing/2014/main" id="{2147BCDC-A971-45F4-B718-6FE678706843}"/>
               </a:ext>
             </a:extLst>
           </p:cNvPr>
@@ -5542,82 +5760,48 @@
         </p:nvSpPr>
         <p:spPr>
           <a:xfrm>
-            <a:off x="822959" y="1479974"/>
-            <a:ext cx="7543801" cy="4023360"/>
-          </a:xfrm>
-        </p:spPr>
-        <p:txBody>
-          <a:bodyPr/>
-          <a:lstStyle/>
-          <a:p>
-            <a:r>
-              <a:rPr lang="fi-FI" b="1" dirty="0"/>
-              <a:t>Connect to our WiFi </a:t>
-            </a:r>
-            <a:r>
-              <a:rPr lang="en-US" b="1" dirty="0"/>
-              <a:t>“</a:t>
-            </a:r>
-            <a:r>
-              <a:rPr lang="fi-FI" b="1" dirty="0"/>
-              <a:t>TP-LINK_C5E618”</a:t>
-            </a:r>
-          </a:p>
-          <a:p>
-            <a:r>
-              <a:rPr lang="fi-FI" dirty="0"/>
-              <a:t>Open new termial and download the provided scripts from </a:t>
-            </a:r>
-            <a:r>
-              <a:rPr lang="en-US" dirty="0">
-                <a:hlinkClick r:id="rId2"/>
+            <a:off x="3556512" y="605896"/>
+            <a:ext cx="5353808" cy="5646208"/>
+          </a:xfrm>
+        </p:spPr>
+        <p:txBody>
+          <a:bodyPr anchor="ctr">
+            <a:normAutofit/>
+          </a:bodyPr>
+          <a:lstStyle/>
+          <a:p>
+            <a:pPr marL="0" indent="0">
+              <a:buNone/>
+            </a:pPr>
+            <a:r>
+              <a:rPr lang="fi-FI" sz="3200" b="1" dirty="0">
+                <a:latin typeface="+mj-lt"/>
               </a:rPr>
-              <a:t>https://github.com/AaltoAsia/SoS-Scripts</a:t>
-            </a:r>
-            <a:endParaRPr lang="en-US" dirty="0"/>
-          </a:p>
-        </p:txBody>
-      </p:sp>
-      <p:sp>
-        <p:nvSpPr>
-          <p:cNvPr id="5" name="Slide Number Placeholder 4">
+              <a:t>Implementation</a:t>
+            </a:r>
+            <a:br>
+              <a:rPr lang="fi-FI" sz="3200" b="1" dirty="0">
+                <a:latin typeface="+mj-lt"/>
+              </a:rPr>
+            </a:br>
+            <a:r>
+              <a:rPr lang="fi-FI" sz="3200" b="1" dirty="0">
+                <a:latin typeface="+mj-lt"/>
+              </a:rPr>
+              <a:t>Using ESP8266</a:t>
+            </a:r>
+            <a:endParaRPr lang="en-US" sz="3200" b="1" dirty="0">
+              <a:latin typeface="+mj-lt"/>
+            </a:endParaRPr>
+          </a:p>
+        </p:txBody>
+      </p:sp>
+      <p:sp>
+        <p:nvSpPr>
+          <p:cNvPr id="4" name="Footer Placeholder 3">
             <a:extLst>
               <a:ext uri="{FF2B5EF4-FFF2-40B4-BE49-F238E27FC236}">
-                <a16:creationId xmlns:a16="http://schemas.microsoft.com/office/drawing/2014/main" id="{27801317-626A-4DA0-AE4C-EB8F84392D61}"/>
-              </a:ext>
-            </a:extLst>
-          </p:cNvPr>
-          <p:cNvSpPr>
-            <a:spLocks noGrp="1"/>
-          </p:cNvSpPr>
-          <p:nvPr>
-            <p:ph type="sldNum" sz="quarter" idx="11"/>
-          </p:nvPr>
-        </p:nvSpPr>
-        <p:spPr>
-          <a:xfrm>
-            <a:off x="7791104" y="6449626"/>
-            <a:ext cx="984019" cy="365125"/>
-          </a:xfrm>
-        </p:spPr>
-        <p:txBody>
-          <a:bodyPr/>
-          <a:lstStyle/>
-          <a:p>
-            <a:fld id="{94613EF8-138C-EE4A-98C4-7FE3A831C097}" type="slidenum">
-              <a:rPr lang="fi-FI" smtClean="0"/>
-              <a:t>10</a:t>
-            </a:fld>
-            <a:endParaRPr lang="fi-FI" dirty="0"/>
-          </a:p>
-        </p:txBody>
-      </p:sp>
-      <p:sp>
-        <p:nvSpPr>
-          <p:cNvPr id="6" name="Footer Placeholder 5">
-            <a:extLst>
-              <a:ext uri="{FF2B5EF4-FFF2-40B4-BE49-F238E27FC236}">
-                <a16:creationId xmlns:a16="http://schemas.microsoft.com/office/drawing/2014/main" id="{8267EAA0-FD4C-4FCD-BDAC-92F950A70892}"/>
+                <a16:creationId xmlns:a16="http://schemas.microsoft.com/office/drawing/2014/main" id="{763B29F1-BFE4-45B6-946F-A46F0CC3BA64}"/>
               </a:ext>
             </a:extLst>
           </p:cNvPr>
@@ -5638,13 +5822,38 @@
               <a:t>07-05-2019</a:t>
             </a:r>
             <a:endParaRPr lang="en-US" dirty="0"/>
+          </a:p>
+        </p:txBody>
+      </p:sp>
+      <p:sp>
+        <p:nvSpPr>
+          <p:cNvPr id="5" name="Slide Number Placeholder 4">
+            <a:extLst>
+              <a:ext uri="{FF2B5EF4-FFF2-40B4-BE49-F238E27FC236}">
+                <a16:creationId xmlns:a16="http://schemas.microsoft.com/office/drawing/2014/main" id="{E1B057DA-79F0-4A00-9AF6-881FA9441C7A}"/>
+              </a:ext>
+            </a:extLst>
+          </p:cNvPr>
+          <p:cNvSpPr>
+            <a:spLocks noGrp="1"/>
+          </p:cNvSpPr>
+          <p:nvPr>
+            <p:ph type="sldNum" sz="quarter" idx="11"/>
+          </p:nvPr>
+        </p:nvSpPr>
+        <p:spPr/>
+        <p:txBody>
+          <a:bodyPr/>
+          <a:lstStyle/>
+          <a:p>
+            <a:endParaRPr lang="fi-FI" dirty="0"/>
           </a:p>
         </p:txBody>
       </p:sp>
     </p:spTree>
     <p:extLst>
       <p:ext uri="{BB962C8B-B14F-4D97-AF65-F5344CB8AC3E}">
-        <p14:creationId xmlns:p14="http://schemas.microsoft.com/office/powerpoint/2010/main" val="3562431046"/>
+        <p14:creationId xmlns:p14="http://schemas.microsoft.com/office/powerpoint/2010/main" val="4190505023"/>
       </p:ext>
     </p:extLst>
   </p:cSld>
@@ -5676,7 +5885,7 @@
           <p:cNvPr id="2" name="Title 1">
             <a:extLst>
               <a:ext uri="{FF2B5EF4-FFF2-40B4-BE49-F238E27FC236}">
-                <a16:creationId xmlns:a16="http://schemas.microsoft.com/office/drawing/2014/main" id="{A655E7A7-1EBF-F645-A1C5-54110284F867}"/>
+                <a16:creationId xmlns:a16="http://schemas.microsoft.com/office/drawing/2014/main" id="{54D0EA18-9A07-4E47-95DE-3F42BC76F540}"/>
               </a:ext>
             </a:extLst>
           </p:cNvPr>
@@ -5689,16 +5898,14 @@
         </p:nvSpPr>
         <p:spPr/>
         <p:txBody>
-          <a:bodyPr>
-            <a:normAutofit/>
-          </a:bodyPr>
-          <a:lstStyle/>
-          <a:p>
-            <a:pPr algn="just"/>
+          <a:bodyPr/>
+          <a:lstStyle/>
+          <a:p>
             <a:r>
               <a:rPr lang="fi-FI" dirty="0"/>
-              <a:t>ESP8266  Arduino Configuration</a:t>
-            </a:r>
+              <a:t>Download Scripts </a:t>
+            </a:r>
+            <a:endParaRPr lang="en-US" dirty="0"/>
           </a:p>
         </p:txBody>
       </p:sp>
@@ -5707,7 +5914,7 @@
           <p:cNvPr id="3" name="Content Placeholder 2">
             <a:extLst>
               <a:ext uri="{FF2B5EF4-FFF2-40B4-BE49-F238E27FC236}">
-                <a16:creationId xmlns:a16="http://schemas.microsoft.com/office/drawing/2014/main" id="{71241D2A-656D-684F-B4B0-3BFE70455B91}"/>
+                <a16:creationId xmlns:a16="http://schemas.microsoft.com/office/drawing/2014/main" id="{EF4B2F79-D000-44DF-87A0-CC1B10F72BC3}"/>
               </a:ext>
             </a:extLst>
           </p:cNvPr>
@@ -5720,110 +5927,48 @@
         </p:nvSpPr>
         <p:spPr>
           <a:xfrm>
-            <a:off x="651510" y="1473469"/>
-            <a:ext cx="7886700" cy="4572294"/>
-          </a:xfrm>
-        </p:spPr>
-        <p:txBody>
-          <a:bodyPr>
-            <a:noAutofit/>
-          </a:bodyPr>
-          <a:lstStyle/>
-          <a:p>
-            <a:pPr algn="just"/>
-            <a:r>
-              <a:rPr lang="en-US" dirty="0"/>
-              <a:t>The ESP8266 is a very low-cost Wi-Fi microchip with full TCP/IP stack and microcontroller capability.</a:t>
-            </a:r>
-          </a:p>
-          <a:p>
-            <a:pPr algn="just"/>
-            <a:r>
-              <a:rPr lang="en-US" dirty="0"/>
-              <a:t>Arduino is an open-source electronics platform based on easy-to-use hardware and software.</a:t>
-            </a:r>
-            <a:endParaRPr lang="fi-FI" dirty="0"/>
-          </a:p>
-          <a:p>
-            <a:pPr lvl="1"/>
-            <a:r>
-              <a:rPr lang="en-US" sz="1800" dirty="0"/>
-              <a:t>Install latest Arduino IDE from </a:t>
-            </a:r>
-            <a:r>
-              <a:rPr lang="en-US" sz="1800" dirty="0">
+            <a:off x="822959" y="1479974"/>
+            <a:ext cx="7543801" cy="4023360"/>
+          </a:xfrm>
+        </p:spPr>
+        <p:txBody>
+          <a:bodyPr/>
+          <a:lstStyle/>
+          <a:p>
+            <a:r>
+              <a:rPr lang="fi-FI" b="1" dirty="0"/>
+              <a:t>Connect to our WiFi </a:t>
+            </a:r>
+            <a:r>
+              <a:rPr lang="en-US" b="1" dirty="0"/>
+              <a:t>“</a:t>
+            </a:r>
+            <a:r>
+              <a:rPr lang="fi-FI" b="1" dirty="0"/>
+              <a:t>TP-LINK_C5E618”</a:t>
+            </a:r>
+          </a:p>
+          <a:p>
+            <a:r>
+              <a:rPr lang="fi-FI" dirty="0"/>
+              <a:t>Open new termial and download the provided scripts from </a:t>
+            </a:r>
+            <a:r>
+              <a:rPr lang="en-US" dirty="0">
                 <a:hlinkClick r:id="rId2"/>
               </a:rPr>
-              <a:t>https://www.arduino.cc/en/main/software</a:t>
-            </a:r>
-            <a:endParaRPr lang="en-US" sz="1800" dirty="0"/>
-          </a:p>
-          <a:p>
-            <a:pPr lvl="1"/>
-            <a:r>
-              <a:rPr lang="en-US" sz="1800" dirty="0"/>
-              <a:t>Start Arduino and open Preferences window.</a:t>
-            </a:r>
-          </a:p>
-          <a:p>
-            <a:pPr lvl="1"/>
-            <a:r>
-              <a:rPr lang="en-US" sz="1800" dirty="0"/>
-              <a:t>Enter https://arduino.esp8266.com/stable/package_esp8266com_index.json into Additional Board Manager URLs field.</a:t>
-            </a:r>
-          </a:p>
-          <a:p>
-            <a:pPr lvl="1"/>
-            <a:r>
-              <a:rPr lang="en-US" sz="1800" dirty="0"/>
-              <a:t>Open Boards Manager from Tools &gt; Board menu and install esp8266 platform</a:t>
-            </a:r>
-            <a:endParaRPr lang="fi-FI" sz="1800" dirty="0"/>
-          </a:p>
-          <a:p>
-            <a:pPr lvl="1" algn="just"/>
-            <a:r>
-              <a:rPr lang="fi-FI" sz="1800" b="1" dirty="0"/>
-              <a:t>For MAC machine</a:t>
-            </a:r>
-            <a:r>
-              <a:rPr lang="fi-FI" sz="1800" dirty="0"/>
-              <a:t>, download and install the driver ”</a:t>
-            </a:r>
-            <a:r>
-              <a:rPr lang="en-US" sz="1800" dirty="0"/>
-              <a:t>CH34x_Install_V1.5.pkg</a:t>
-            </a:r>
-            <a:r>
-              <a:rPr lang="fi-FI" sz="1800" dirty="0"/>
-              <a:t>” from </a:t>
-            </a:r>
-            <a:r>
-              <a:rPr lang="fi-FI" sz="1800" dirty="0">
-                <a:hlinkClick r:id="rId3"/>
-              </a:rPr>
-              <a:t>https://github.com/adrianmihalko/ch340g-ch34g-ch34x-mac-os-x-driver</a:t>
-            </a:r>
-            <a:r>
-              <a:rPr lang="fi-FI" sz="1800" dirty="0"/>
-              <a:t> </a:t>
-            </a:r>
-          </a:p>
-          <a:p>
-            <a:pPr marL="403225" lvl="1" indent="-182563" algn="just"/>
-            <a:r>
-              <a:rPr lang="fi-FI" sz="1800" dirty="0"/>
-              <a:t>Restart the Arduino IDE</a:t>
-            </a:r>
-          </a:p>
-        </p:txBody>
-      </p:sp>
-      <p:sp>
-        <p:nvSpPr>
-          <p:cNvPr id="7" name="Slide Number Placeholder 6">
+              <a:t>https://github.com/AaltoAsia/SoS-Scripts</a:t>
+            </a:r>
+            <a:endParaRPr lang="en-US" dirty="0"/>
+          </a:p>
+        </p:txBody>
+      </p:sp>
+      <p:sp>
+        <p:nvSpPr>
+          <p:cNvPr id="5" name="Slide Number Placeholder 4">
             <a:extLst>
               <a:ext uri="{FF2B5EF4-FFF2-40B4-BE49-F238E27FC236}">
-                <a16:creationId xmlns:a16="http://schemas.microsoft.com/office/drawing/2014/main" id="{3DE1A978-755B-4B5B-9B23-60D8BD5DCEA6}"/>
+                <a16:creationId xmlns:a16="http://schemas.microsoft.com/office/drawing/2014/main" id="{27801317-626A-4DA0-AE4C-EB8F84392D61}"/>
               </a:ext>
             </a:extLst>
           </p:cNvPr>
@@ -5854,10 +5999,10 @@
       </p:sp>
       <p:sp>
         <p:nvSpPr>
-          <p:cNvPr id="8" name="Footer Placeholder 7">
+          <p:cNvPr id="6" name="Footer Placeholder 5">
             <a:extLst>
               <a:ext uri="{FF2B5EF4-FFF2-40B4-BE49-F238E27FC236}">
-                <a16:creationId xmlns:a16="http://schemas.microsoft.com/office/drawing/2014/main" id="{9425422B-B6C4-4C24-9ABB-C48DFCBC4A3A}"/>
+                <a16:creationId xmlns:a16="http://schemas.microsoft.com/office/drawing/2014/main" id="{8267EAA0-FD4C-4FCD-BDAC-92F950A70892}"/>
               </a:ext>
             </a:extLst>
           </p:cNvPr>
@@ -5884,7 +6029,7 @@
     </p:spTree>
     <p:extLst>
       <p:ext uri="{BB962C8B-B14F-4D97-AF65-F5344CB8AC3E}">
-        <p14:creationId xmlns:p14="http://schemas.microsoft.com/office/powerpoint/2010/main" val="1227906103"/>
+        <p14:creationId xmlns:p14="http://schemas.microsoft.com/office/powerpoint/2010/main" val="3562431046"/>
       </p:ext>
     </p:extLst>
   </p:cSld>
@@ -5916,7 +6061,7 @@
           <p:cNvPr id="2" name="Title 1">
             <a:extLst>
               <a:ext uri="{FF2B5EF4-FFF2-40B4-BE49-F238E27FC236}">
-                <a16:creationId xmlns:a16="http://schemas.microsoft.com/office/drawing/2014/main" id="{F5F43F9A-3C95-0043-BDB6-A7A963132B42}"/>
+                <a16:creationId xmlns:a16="http://schemas.microsoft.com/office/drawing/2014/main" id="{A655E7A7-1EBF-F645-A1C5-54110284F867}"/>
               </a:ext>
             </a:extLst>
           </p:cNvPr>
@@ -5929,342 +6074,141 @@
         </p:nvSpPr>
         <p:spPr/>
         <p:txBody>
-          <a:bodyPr/>
-          <a:lstStyle/>
-          <a:p>
+          <a:bodyPr>
+            <a:normAutofit/>
+          </a:bodyPr>
+          <a:lstStyle/>
+          <a:p>
+            <a:pPr algn="just"/>
             <a:r>
               <a:rPr lang="fi-FI" dirty="0"/>
-              <a:t>CO</a:t>
-            </a:r>
-            <a:r>
-              <a:rPr lang="fi-FI" baseline="-25000" dirty="0"/>
-              <a:t>2</a:t>
-            </a:r>
-            <a:r>
-              <a:rPr lang="fi-FI" dirty="0"/>
+              <a:t>ESP8266  Arduino Configuration</a:t>
+            </a:r>
+          </a:p>
+        </p:txBody>
+      </p:sp>
+      <p:sp>
+        <p:nvSpPr>
+          <p:cNvPr id="3" name="Content Placeholder 2">
+            <a:extLst>
+              <a:ext uri="{FF2B5EF4-FFF2-40B4-BE49-F238E27FC236}">
+                <a16:creationId xmlns:a16="http://schemas.microsoft.com/office/drawing/2014/main" id="{71241D2A-656D-684F-B4B0-3BFE70455B91}"/>
+              </a:ext>
+            </a:extLst>
+          </p:cNvPr>
+          <p:cNvSpPr>
+            <a:spLocks noGrp="1"/>
+          </p:cNvSpPr>
+          <p:nvPr>
+            <p:ph idx="1"/>
+          </p:nvPr>
+        </p:nvSpPr>
+        <p:spPr>
+          <a:xfrm>
+            <a:off x="651510" y="1473469"/>
+            <a:ext cx="7886700" cy="4572294"/>
+          </a:xfrm>
+        </p:spPr>
+        <p:txBody>
+          <a:bodyPr>
+            <a:noAutofit/>
+          </a:bodyPr>
+          <a:lstStyle/>
+          <a:p>
+            <a:pPr algn="just"/>
+            <a:r>
+              <a:rPr lang="en-US" dirty="0"/>
+              <a:t>The ESP8266 is a very low-cost Wi-Fi microchip with full TCP/IP stack and microcontroller capability.</a:t>
+            </a:r>
+          </a:p>
+          <a:p>
+            <a:pPr algn="just"/>
+            <a:r>
+              <a:rPr lang="en-US" dirty="0"/>
+              <a:t>Arduino is an open-source electronics platform based on easy-to-use hardware and software.</a:t>
+            </a:r>
+            <a:endParaRPr lang="fi-FI" dirty="0"/>
+          </a:p>
+          <a:p>
+            <a:pPr lvl="1"/>
+            <a:r>
+              <a:rPr lang="en-US" sz="1800" dirty="0"/>
+              <a:t>Install latest Arduino IDE from </a:t>
+            </a:r>
+            <a:r>
+              <a:rPr lang="en-US" sz="1800" dirty="0">
+                <a:hlinkClick r:id="rId2"/>
+              </a:rPr>
+              <a:t>https://www.arduino.cc/en/main/software</a:t>
+            </a:r>
+            <a:endParaRPr lang="en-US" sz="1800" dirty="0"/>
+          </a:p>
+          <a:p>
+            <a:pPr lvl="1"/>
+            <a:r>
+              <a:rPr lang="en-US" sz="1800" dirty="0"/>
+              <a:t>Start Arduino and open Preferences window.</a:t>
+            </a:r>
+          </a:p>
+          <a:p>
+            <a:pPr lvl="1"/>
+            <a:r>
+              <a:rPr lang="en-US" sz="1800" dirty="0"/>
+              <a:t>Enter https://arduino.esp8266.com/stable/package_esp8266com_index.json into Additional Board Manager URLs field.</a:t>
+            </a:r>
+          </a:p>
+          <a:p>
+            <a:pPr lvl="1"/>
+            <a:r>
+              <a:rPr lang="en-US" sz="1800" dirty="0"/>
+              <a:t>Open Boards Manager from Tools &gt; Board menu and install esp8266 platform</a:t>
+            </a:r>
+            <a:endParaRPr lang="fi-FI" sz="1800" dirty="0"/>
+          </a:p>
+          <a:p>
+            <a:pPr lvl="1" algn="just"/>
+            <a:r>
+              <a:rPr lang="fi-FI" sz="1800" b="1" dirty="0"/>
+              <a:t>For MAC machine</a:t>
+            </a:r>
+            <a:r>
+              <a:rPr lang="fi-FI" sz="1800" dirty="0"/>
+              <a:t>, download and install the driver ”</a:t>
+            </a:r>
+            <a:r>
+              <a:rPr lang="en-US" sz="1800" dirty="0"/>
+              <a:t>CH34x_Install_V1.5.pkg</a:t>
+            </a:r>
+            <a:r>
+              <a:rPr lang="fi-FI" sz="1800" dirty="0"/>
+              <a:t>” from </a:t>
+            </a:r>
+            <a:r>
+              <a:rPr lang="fi-FI" sz="1800" dirty="0">
+                <a:hlinkClick r:id="rId3"/>
+              </a:rPr>
+              <a:t>https://github.com/adrianmihalko/ch340g-ch34g-ch34x-mac-os-x-driver</a:t>
+            </a:r>
+            <a:r>
+              <a:rPr lang="fi-FI" sz="1800" dirty="0"/>
               <a:t> </a:t>
             </a:r>
-            <a:r>
-              <a:rPr lang="fi-FI" dirty="0" err="1"/>
-              <a:t>Sensor</a:t>
-            </a:r>
-            <a:r>
-              <a:rPr lang="fi-FI" dirty="0"/>
-              <a:t> (</a:t>
-            </a:r>
-            <a:r>
-              <a:rPr lang="fi-FI" dirty="0" err="1"/>
-              <a:t>Model</a:t>
-            </a:r>
-            <a:r>
-              <a:rPr lang="fi-FI" dirty="0"/>
-              <a:t>: S-100)</a:t>
-            </a:r>
-          </a:p>
-        </p:txBody>
-      </p:sp>
-      <p:pic>
-        <p:nvPicPr>
-          <p:cNvPr id="4" name="Picture 3">
+          </a:p>
+          <a:p>
+            <a:pPr marL="403225" lvl="1" indent="-182563" algn="just"/>
+            <a:r>
+              <a:rPr lang="fi-FI" sz="1800" dirty="0"/>
+              <a:t>Restart the Arduino IDE</a:t>
+            </a:r>
+          </a:p>
+        </p:txBody>
+      </p:sp>
+      <p:sp>
+        <p:nvSpPr>
+          <p:cNvPr id="7" name="Slide Number Placeholder 6">
             <a:extLst>
               <a:ext uri="{FF2B5EF4-FFF2-40B4-BE49-F238E27FC236}">
-                <a16:creationId xmlns:a16="http://schemas.microsoft.com/office/drawing/2014/main" id="{68792196-EDE8-8A4F-B7ED-6BE03F3DE7E7}"/>
-              </a:ext>
-            </a:extLst>
-          </p:cNvPr>
-          <p:cNvPicPr>
-            <a:picLocks noChangeAspect="1"/>
-          </p:cNvPicPr>
-          <p:nvPr/>
-        </p:nvPicPr>
-        <p:blipFill rotWithShape="1">
-          <a:blip r:embed="rId2"/>
-          <a:srcRect l="4782" t="36031" r="4422" b="16577"/>
-          <a:stretch/>
-        </p:blipFill>
-        <p:spPr>
-          <a:xfrm>
-            <a:off x="2123440" y="1646017"/>
-            <a:ext cx="4197767" cy="2457000"/>
-          </a:xfrm>
-          <a:prstGeom prst="rect">
-            <a:avLst/>
-          </a:prstGeom>
-        </p:spPr>
-      </p:pic>
-      <p:sp>
-        <p:nvSpPr>
-          <p:cNvPr id="7" name="Down Arrow 6">
-            <a:extLst>
-              <a:ext uri="{FF2B5EF4-FFF2-40B4-BE49-F238E27FC236}">
-                <a16:creationId xmlns:a16="http://schemas.microsoft.com/office/drawing/2014/main" id="{FC1006BC-1F56-AA40-8059-E526B2AF6F70}"/>
-              </a:ext>
-            </a:extLst>
-          </p:cNvPr>
-          <p:cNvSpPr/>
-          <p:nvPr/>
-        </p:nvSpPr>
-        <p:spPr>
-          <a:xfrm rot="2673431">
-            <a:off x="6325936" y="2678374"/>
-            <a:ext cx="45351" cy="803638"/>
-          </a:xfrm>
-          <a:prstGeom prst="downArrow">
-            <a:avLst/>
-          </a:prstGeom>
-          <a:solidFill>
-            <a:srgbClr val="FF0000"/>
-          </a:solidFill>
-          <a:ln>
-            <a:solidFill>
-              <a:srgbClr val="FF0000"/>
-            </a:solidFill>
-          </a:ln>
-        </p:spPr>
-        <p:style>
-          <a:lnRef idx="2">
-            <a:schemeClr val="accent1">
-              <a:shade val="50000"/>
-            </a:schemeClr>
-          </a:lnRef>
-          <a:fillRef idx="1">
-            <a:schemeClr val="accent1"/>
-          </a:fillRef>
-          <a:effectRef idx="0">
-            <a:schemeClr val="accent1"/>
-          </a:effectRef>
-          <a:fontRef idx="minor">
-            <a:schemeClr val="lt1"/>
-          </a:fontRef>
-        </p:style>
-        <p:txBody>
-          <a:bodyPr rtlCol="0" anchor="ctr"/>
-          <a:lstStyle/>
-          <a:p>
-            <a:pPr algn="ctr"/>
-            <a:endParaRPr lang="fi-FI" sz="1350"/>
-          </a:p>
-        </p:txBody>
-      </p:sp>
-      <p:sp>
-        <p:nvSpPr>
-          <p:cNvPr id="8" name="Down Arrow 7">
-            <a:extLst>
-              <a:ext uri="{FF2B5EF4-FFF2-40B4-BE49-F238E27FC236}">
-                <a16:creationId xmlns:a16="http://schemas.microsoft.com/office/drawing/2014/main" id="{76DCBB67-F1CE-C14E-89CA-C53E99E0A6CB}"/>
-              </a:ext>
-            </a:extLst>
-          </p:cNvPr>
-          <p:cNvSpPr/>
-          <p:nvPr/>
-        </p:nvSpPr>
-        <p:spPr>
-          <a:xfrm rot="3533917">
-            <a:off x="6418482" y="2963540"/>
-            <a:ext cx="43954" cy="785782"/>
-          </a:xfrm>
-          <a:prstGeom prst="downArrow">
-            <a:avLst/>
-          </a:prstGeom>
-          <a:solidFill>
-            <a:srgbClr val="FF0000"/>
-          </a:solidFill>
-          <a:ln>
-            <a:solidFill>
-              <a:srgbClr val="FF0000"/>
-            </a:solidFill>
-          </a:ln>
-        </p:spPr>
-        <p:style>
-          <a:lnRef idx="2">
-            <a:schemeClr val="accent1">
-              <a:shade val="50000"/>
-            </a:schemeClr>
-          </a:lnRef>
-          <a:fillRef idx="1">
-            <a:schemeClr val="accent1"/>
-          </a:fillRef>
-          <a:effectRef idx="0">
-            <a:schemeClr val="accent1"/>
-          </a:effectRef>
-          <a:fontRef idx="minor">
-            <a:schemeClr val="lt1"/>
-          </a:fontRef>
-        </p:style>
-        <p:txBody>
-          <a:bodyPr rtlCol="0" anchor="ctr"/>
-          <a:lstStyle/>
-          <a:p>
-            <a:pPr algn="ctr"/>
-            <a:endParaRPr lang="fi-FI" sz="1350"/>
-          </a:p>
-        </p:txBody>
-      </p:sp>
-      <p:sp>
-        <p:nvSpPr>
-          <p:cNvPr id="9" name="Down Arrow 8">
-            <a:extLst>
-              <a:ext uri="{FF2B5EF4-FFF2-40B4-BE49-F238E27FC236}">
-                <a16:creationId xmlns:a16="http://schemas.microsoft.com/office/drawing/2014/main" id="{B9945D93-3878-5B4C-8DEF-1D09946CC272}"/>
-              </a:ext>
-            </a:extLst>
-          </p:cNvPr>
-          <p:cNvSpPr/>
-          <p:nvPr/>
-        </p:nvSpPr>
-        <p:spPr>
-          <a:xfrm rot="2181117" flipH="1">
-            <a:off x="6187257" y="2081930"/>
-            <a:ext cx="55227" cy="1275042"/>
-          </a:xfrm>
-          <a:prstGeom prst="downArrow">
-            <a:avLst/>
-          </a:prstGeom>
-          <a:solidFill>
-            <a:srgbClr val="FF0000"/>
-          </a:solidFill>
-          <a:ln>
-            <a:solidFill>
-              <a:srgbClr val="FF0000"/>
-            </a:solidFill>
-          </a:ln>
-        </p:spPr>
-        <p:style>
-          <a:lnRef idx="2">
-            <a:schemeClr val="accent1">
-              <a:shade val="50000"/>
-            </a:schemeClr>
-          </a:lnRef>
-          <a:fillRef idx="1">
-            <a:schemeClr val="accent1"/>
-          </a:fillRef>
-          <a:effectRef idx="0">
-            <a:schemeClr val="accent1"/>
-          </a:effectRef>
-          <a:fontRef idx="minor">
-            <a:schemeClr val="lt1"/>
-          </a:fontRef>
-        </p:style>
-        <p:txBody>
-          <a:bodyPr rtlCol="0" anchor="ctr"/>
-          <a:lstStyle/>
-          <a:p>
-            <a:pPr algn="ctr"/>
-            <a:endParaRPr lang="fi-FI" sz="1350"/>
-          </a:p>
-        </p:txBody>
-      </p:sp>
-      <p:sp>
-        <p:nvSpPr>
-          <p:cNvPr id="11" name="TextBox 10">
-            <a:extLst>
-              <a:ext uri="{FF2B5EF4-FFF2-40B4-BE49-F238E27FC236}">
-                <a16:creationId xmlns:a16="http://schemas.microsoft.com/office/drawing/2014/main" id="{7E234B24-F22C-7849-8442-512383B9A754}"/>
-              </a:ext>
-            </a:extLst>
-          </p:cNvPr>
-          <p:cNvSpPr txBox="1"/>
-          <p:nvPr/>
-        </p:nvSpPr>
-        <p:spPr>
-          <a:xfrm>
-            <a:off x="6798386" y="2965682"/>
-            <a:ext cx="370614" cy="300082"/>
-          </a:xfrm>
-          <a:prstGeom prst="rect">
-            <a:avLst/>
-          </a:prstGeom>
-          <a:noFill/>
-        </p:spPr>
-        <p:txBody>
-          <a:bodyPr wrap="none" rtlCol="0">
-            <a:spAutoFit/>
-          </a:bodyPr>
-          <a:lstStyle/>
-          <a:p>
-            <a:r>
-              <a:rPr lang="fi-FI" sz="1350" dirty="0"/>
-              <a:t>5V</a:t>
-            </a:r>
-          </a:p>
-        </p:txBody>
-      </p:sp>
-      <p:sp>
-        <p:nvSpPr>
-          <p:cNvPr id="12" name="TextBox 11">
-            <a:extLst>
-              <a:ext uri="{FF2B5EF4-FFF2-40B4-BE49-F238E27FC236}">
-                <a16:creationId xmlns:a16="http://schemas.microsoft.com/office/drawing/2014/main" id="{1E81E3DE-2B75-B84C-8CAC-9AFF984EC7DC}"/>
-              </a:ext>
-            </a:extLst>
-          </p:cNvPr>
-          <p:cNvSpPr txBox="1"/>
-          <p:nvPr/>
-        </p:nvSpPr>
-        <p:spPr>
-          <a:xfrm>
-            <a:off x="6687855" y="2569201"/>
-            <a:ext cx="511679" cy="300082"/>
-          </a:xfrm>
-          <a:prstGeom prst="rect">
-            <a:avLst/>
-          </a:prstGeom>
-          <a:noFill/>
-        </p:spPr>
-        <p:txBody>
-          <a:bodyPr wrap="none" rtlCol="0">
-            <a:spAutoFit/>
-          </a:bodyPr>
-          <a:lstStyle/>
-          <a:p>
-            <a:r>
-              <a:rPr lang="fi-FI" sz="1350" dirty="0"/>
-              <a:t>GND</a:t>
-            </a:r>
-          </a:p>
-        </p:txBody>
-      </p:sp>
-      <p:sp>
-        <p:nvSpPr>
-          <p:cNvPr id="13" name="TextBox 12">
-            <a:extLst>
-              <a:ext uri="{FF2B5EF4-FFF2-40B4-BE49-F238E27FC236}">
-                <a16:creationId xmlns:a16="http://schemas.microsoft.com/office/drawing/2014/main" id="{84CA0916-A4A6-DB4C-95BB-C7F20938D094}"/>
-              </a:ext>
-            </a:extLst>
-          </p:cNvPr>
-          <p:cNvSpPr txBox="1"/>
-          <p:nvPr/>
-        </p:nvSpPr>
-        <p:spPr>
-          <a:xfrm>
-            <a:off x="6584301" y="1966093"/>
-            <a:ext cx="359394" cy="300082"/>
-          </a:xfrm>
-          <a:prstGeom prst="rect">
-            <a:avLst/>
-          </a:prstGeom>
-          <a:noFill/>
-        </p:spPr>
-        <p:txBody>
-          <a:bodyPr wrap="none" rtlCol="0">
-            <a:spAutoFit/>
-          </a:bodyPr>
-          <a:lstStyle/>
-          <a:p>
-            <a:r>
-              <a:rPr lang="fi-FI" sz="1350" dirty="0"/>
-              <a:t>TX</a:t>
-            </a:r>
-          </a:p>
-        </p:txBody>
-      </p:sp>
-      <p:sp>
-        <p:nvSpPr>
-          <p:cNvPr id="15" name="Slide Number Placeholder 14">
-            <a:extLst>
-              <a:ext uri="{FF2B5EF4-FFF2-40B4-BE49-F238E27FC236}">
-                <a16:creationId xmlns:a16="http://schemas.microsoft.com/office/drawing/2014/main" id="{9C02722C-7E0C-4073-96EA-ECEEAD18DD6F}"/>
+                <a16:creationId xmlns:a16="http://schemas.microsoft.com/office/drawing/2014/main" id="{3DE1A978-755B-4B5B-9B23-60D8BD5DCEA6}"/>
               </a:ext>
             </a:extLst>
           </p:cNvPr>
@@ -6295,10 +6239,10 @@
       </p:sp>
       <p:sp>
         <p:nvSpPr>
-          <p:cNvPr id="16" name="Footer Placeholder 15">
+          <p:cNvPr id="8" name="Footer Placeholder 7">
             <a:extLst>
               <a:ext uri="{FF2B5EF4-FFF2-40B4-BE49-F238E27FC236}">
-                <a16:creationId xmlns:a16="http://schemas.microsoft.com/office/drawing/2014/main" id="{2C321E00-7D45-4C5C-974B-0817F563409B}"/>
+                <a16:creationId xmlns:a16="http://schemas.microsoft.com/office/drawing/2014/main" id="{9425422B-B6C4-4C24-9ABB-C48DFCBC4A3A}"/>
               </a:ext>
             </a:extLst>
           </p:cNvPr>
@@ -6319,75 +6263,13 @@
               <a:t>07-05-2019</a:t>
             </a:r>
             <a:endParaRPr lang="en-US" dirty="0"/>
-          </a:p>
-        </p:txBody>
-      </p:sp>
-      <p:sp>
-        <p:nvSpPr>
-          <p:cNvPr id="18" name="Content Placeholder 2">
-            <a:extLst>
-              <a:ext uri="{FF2B5EF4-FFF2-40B4-BE49-F238E27FC236}">
-                <a16:creationId xmlns:a16="http://schemas.microsoft.com/office/drawing/2014/main" id="{48390A19-4365-4BE9-92E7-3396F89B09FB}"/>
-              </a:ext>
-            </a:extLst>
-          </p:cNvPr>
-          <p:cNvSpPr>
-            <a:spLocks noGrp="1"/>
-          </p:cNvSpPr>
-          <p:nvPr>
-            <p:ph idx="1"/>
-          </p:nvPr>
-        </p:nvSpPr>
-        <p:spPr>
-          <a:xfrm>
-            <a:off x="822960" y="4262270"/>
-            <a:ext cx="7543801" cy="1803250"/>
-          </a:xfrm>
-        </p:spPr>
-        <p:txBody>
-          <a:bodyPr>
-            <a:normAutofit/>
-          </a:bodyPr>
-          <a:lstStyle/>
-          <a:p>
-            <a:r>
-              <a:rPr lang="fi-FI" dirty="0"/>
-              <a:t>Connect jumper cables:</a:t>
-            </a:r>
-          </a:p>
-          <a:p>
-            <a:pPr lvl="1"/>
-            <a:r>
-              <a:rPr lang="fi-FI" dirty="0"/>
-              <a:t>Sensor TX -&gt; ESP RX</a:t>
-            </a:r>
-          </a:p>
-          <a:p>
-            <a:pPr lvl="1"/>
-            <a:r>
-              <a:rPr lang="fi-FI" dirty="0"/>
-              <a:t>Sensor GND -&gt; ESP GND</a:t>
-            </a:r>
-          </a:p>
-          <a:p>
-            <a:pPr lvl="1"/>
-            <a:r>
-              <a:rPr lang="fi-FI" dirty="0"/>
-              <a:t>Sensor 5V -&gt; ESP 5V</a:t>
-            </a:r>
-          </a:p>
-          <a:p>
-            <a:pPr marL="0" indent="0">
-              <a:buNone/>
-            </a:pPr>
-            <a:endParaRPr lang="fi-FI" dirty="0"/>
           </a:p>
         </p:txBody>
       </p:sp>
     </p:spTree>
     <p:extLst>
       <p:ext uri="{BB962C8B-B14F-4D97-AF65-F5344CB8AC3E}">
-        <p14:creationId xmlns:p14="http://schemas.microsoft.com/office/powerpoint/2010/main" val="3498178211"/>
+        <p14:creationId xmlns:p14="http://schemas.microsoft.com/office/powerpoint/2010/main" val="1227906103"/>
       </p:ext>
     </p:extLst>
   </p:cSld>
@@ -6419,7 +6301,7 @@
           <p:cNvPr id="2" name="Title 1">
             <a:extLst>
               <a:ext uri="{FF2B5EF4-FFF2-40B4-BE49-F238E27FC236}">
-                <a16:creationId xmlns:a16="http://schemas.microsoft.com/office/drawing/2014/main" id="{F0DE0F10-F02D-4A73-A4C8-E0870D468477}"/>
+                <a16:creationId xmlns:a16="http://schemas.microsoft.com/office/drawing/2014/main" id="{F5F43F9A-3C95-0043-BDB6-A7A963132B42}"/>
               </a:ext>
             </a:extLst>
           </p:cNvPr>
@@ -6432,271 +6314,46 @@
         </p:nvSpPr>
         <p:spPr/>
         <p:txBody>
-          <a:bodyPr>
-            <a:normAutofit/>
-          </a:bodyPr>
+          <a:bodyPr/>
           <a:lstStyle/>
           <a:p>
             <a:r>
               <a:rPr lang="fi-FI" dirty="0"/>
-              <a:t>Interfacing CO2 Sensor with ESP8266</a:t>
-            </a:r>
-            <a:endParaRPr lang="en-US" dirty="0"/>
-          </a:p>
-        </p:txBody>
-      </p:sp>
-      <p:sp>
-        <p:nvSpPr>
-          <p:cNvPr id="3" name="Content Placeholder 2">
-            <a:extLst>
-              <a:ext uri="{FF2B5EF4-FFF2-40B4-BE49-F238E27FC236}">
-                <a16:creationId xmlns:a16="http://schemas.microsoft.com/office/drawing/2014/main" id="{1239D035-5048-40CC-951F-B3E56B93A7B8}"/>
-              </a:ext>
-            </a:extLst>
-          </p:cNvPr>
-          <p:cNvSpPr>
-            <a:spLocks noGrp="1"/>
-          </p:cNvSpPr>
-          <p:nvPr>
-            <p:ph idx="1"/>
-          </p:nvPr>
-        </p:nvSpPr>
-        <p:spPr>
-          <a:xfrm>
-            <a:off x="822959" y="1417319"/>
-            <a:ext cx="7543801" cy="4903967"/>
-          </a:xfrm>
-        </p:spPr>
-        <p:txBody>
-          <a:bodyPr>
-            <a:normAutofit fontScale="85000" lnSpcReduction="20000"/>
-          </a:bodyPr>
-          <a:lstStyle/>
-          <a:p>
-            <a:pPr marL="342900" indent="-342900" algn="just">
-              <a:buFont typeface="+mj-lt"/>
-              <a:buAutoNum type="arabicPeriod"/>
-            </a:pPr>
+              <a:t>CO</a:t>
+            </a:r>
+            <a:r>
+              <a:rPr lang="fi-FI" baseline="-25000" dirty="0"/>
+              <a:t>2</a:t>
+            </a:r>
             <a:r>
               <a:rPr lang="fi-FI" dirty="0"/>
-              <a:t>Connect ESP chip with your laptop USB port.</a:t>
-            </a:r>
-          </a:p>
-          <a:p>
-            <a:pPr marL="342900" indent="-342900" algn="just">
-              <a:buFont typeface="+mj-lt"/>
-              <a:buAutoNum type="arabicPeriod"/>
-            </a:pPr>
+              <a:t> </a:t>
+            </a:r>
+            <a:r>
+              <a:rPr lang="fi-FI" dirty="0" err="1"/>
+              <a:t>Sensor</a:t>
+            </a:r>
             <a:r>
               <a:rPr lang="fi-FI" dirty="0"/>
-              <a:t>Start Arduino IDE and select the following board from Tools -&gt; Board</a:t>
-            </a:r>
-          </a:p>
-          <a:p>
-            <a:pPr marL="620712" lvl="1" indent="-285750" algn="just"/>
-            <a:r>
-              <a:rPr lang="fi-FI" sz="1800" dirty="0"/>
-              <a:t>LOLIN (WEMOS) D1 R2 and Mini</a:t>
-            </a:r>
-            <a:endParaRPr lang="en-US" dirty="0"/>
-          </a:p>
-          <a:p>
-            <a:pPr marL="347663" indent="-338138" algn="just">
-              <a:buFont typeface="+mj-lt"/>
-              <a:buAutoNum type="arabicPeriod"/>
-            </a:pPr>
-            <a:r>
-              <a:rPr lang="en-US" dirty="0"/>
-              <a:t>Select port using Tools -&gt; Port</a:t>
-            </a:r>
-            <a:endParaRPr lang="fi-FI" dirty="0"/>
-          </a:p>
-          <a:p>
-            <a:pPr marL="347663" indent="-338138" algn="just">
-              <a:buFont typeface="+mj-lt"/>
-              <a:buAutoNum type="arabicPeriod"/>
-            </a:pPr>
+              <a:t> (</a:t>
+            </a:r>
+            <a:r>
+              <a:rPr lang="fi-FI" dirty="0" err="1"/>
+              <a:t>Model</a:t>
+            </a:r>
             <a:r>
               <a:rPr lang="fi-FI" dirty="0"/>
-              <a:t>cd </a:t>
-            </a:r>
-            <a:r>
-              <a:rPr lang="fi-FI" sz="2400" dirty="0">
-                <a:solidFill>
-                  <a:srgbClr val="FF0000"/>
-                </a:solidFill>
-              </a:rPr>
-              <a:t>&lt;....&gt;</a:t>
-            </a:r>
-            <a:r>
-              <a:rPr lang="fi-FI" dirty="0"/>
-              <a:t>/SoS-Scripts/</a:t>
-            </a:r>
-            <a:r>
-              <a:rPr lang="en-US" dirty="0"/>
-              <a:t>CO2_test</a:t>
-            </a:r>
-            <a:r>
-              <a:rPr lang="fi-FI" dirty="0"/>
-              <a:t> (for opening test scripts for CO2 sensor)</a:t>
-            </a:r>
-          </a:p>
-          <a:p>
-            <a:pPr marL="347663" indent="-338138" algn="just">
-              <a:buFont typeface="+mj-lt"/>
-              <a:buAutoNum type="arabicPeriod"/>
-            </a:pPr>
-            <a:r>
-              <a:rPr lang="fi-FI" dirty="0"/>
-              <a:t>Open create_odf tab in Arduino and change &lt;id&gt; of the Object to something unique and change the url to your O-MI Node (</a:t>
-            </a:r>
-            <a:r>
-              <a:rPr lang="fi-FI" dirty="0">
-                <a:hlinkClick r:id="rId2"/>
-              </a:rPr>
-              <a:t>http://yourIP:8080/</a:t>
-            </a:r>
-            <a:r>
-              <a:rPr lang="fi-FI" dirty="0"/>
-              <a:t>)</a:t>
-            </a:r>
-          </a:p>
-          <a:p>
-            <a:pPr marL="347663" indent="-338138" algn="just">
-              <a:buFont typeface="+mj-lt"/>
-              <a:buAutoNum type="arabicPeriod"/>
-            </a:pPr>
-            <a:r>
-              <a:rPr lang="fi-FI" b="1" dirty="0"/>
-              <a:t>Note:</a:t>
-            </a:r>
-            <a:r>
-              <a:rPr lang="fi-FI" dirty="0"/>
-              <a:t> Disconnect the RX of ESP8266 while uploading the code.</a:t>
-            </a:r>
-          </a:p>
-          <a:p>
-            <a:pPr marL="347663" indent="-338138" algn="just">
-              <a:buFont typeface="+mj-lt"/>
-              <a:buAutoNum type="arabicPeriod"/>
-            </a:pPr>
-            <a:r>
-              <a:rPr lang="en-US" dirty="0"/>
-              <a:t>P</a:t>
-            </a:r>
-            <a:r>
-              <a:rPr lang="fi-FI" dirty="0"/>
-              <a:t>ress Upload button</a:t>
-            </a:r>
-          </a:p>
-          <a:p>
-            <a:pPr marL="347663" indent="-338138" algn="just">
-              <a:buFont typeface="+mj-lt"/>
-              <a:buAutoNum type="arabicPeriod"/>
-            </a:pPr>
-            <a:r>
-              <a:rPr lang="fi-FI" dirty="0"/>
-              <a:t>Connect RX of ESP8266 again after uploading is done.</a:t>
-            </a:r>
-          </a:p>
-          <a:p>
-            <a:pPr marL="347663" indent="-338138" algn="just">
-              <a:buFont typeface="+mj-lt"/>
-              <a:buAutoNum type="arabicPeriod"/>
-            </a:pPr>
-            <a:r>
-              <a:rPr lang="fi-FI" dirty="0"/>
-              <a:t>If it fails you might have wrong port or too high upload speed</a:t>
-            </a:r>
-          </a:p>
-          <a:p>
-            <a:pPr marL="347663" indent="-338138" algn="just">
-              <a:buFont typeface="+mj-lt"/>
-              <a:buAutoNum type="arabicPeriod"/>
-            </a:pPr>
-            <a:r>
-              <a:rPr lang="fi-FI" dirty="0"/>
-              <a:t>View the output through Tools -&gt; Serial Monitor</a:t>
-            </a:r>
-          </a:p>
-          <a:p>
-            <a:pPr marL="685800" lvl="1" indent="-342900" algn="just"/>
-            <a:r>
-              <a:rPr lang="fi-FI" sz="1900" dirty="0"/>
-              <a:t>Select baud rate as 38400</a:t>
-            </a:r>
-          </a:p>
-        </p:txBody>
-      </p:sp>
-      <p:sp>
-        <p:nvSpPr>
-          <p:cNvPr id="4" name="Slide Number Placeholder 3">
-            <a:extLst>
-              <a:ext uri="{FF2B5EF4-FFF2-40B4-BE49-F238E27FC236}">
-                <a16:creationId xmlns:a16="http://schemas.microsoft.com/office/drawing/2014/main" id="{94C3375E-0FF9-446F-B8E4-7AD69D965599}"/>
-              </a:ext>
-            </a:extLst>
-          </p:cNvPr>
-          <p:cNvSpPr>
-            <a:spLocks noGrp="1"/>
-          </p:cNvSpPr>
-          <p:nvPr>
-            <p:ph type="sldNum" sz="quarter" idx="11"/>
-          </p:nvPr>
-        </p:nvSpPr>
-        <p:spPr>
-          <a:xfrm>
-            <a:off x="7791104" y="6449626"/>
-            <a:ext cx="984019" cy="365125"/>
-          </a:xfrm>
-        </p:spPr>
-        <p:txBody>
-          <a:bodyPr/>
-          <a:lstStyle/>
-          <a:p>
-            <a:fld id="{94613EF8-138C-EE4A-98C4-7FE3A831C097}" type="slidenum">
-              <a:rPr lang="fi-FI" smtClean="0"/>
-              <a:t>13</a:t>
-            </a:fld>
-            <a:endParaRPr lang="fi-FI" dirty="0"/>
-          </a:p>
-        </p:txBody>
-      </p:sp>
-      <p:sp>
-        <p:nvSpPr>
-          <p:cNvPr id="5" name="Footer Placeholder 4">
-            <a:extLst>
-              <a:ext uri="{FF2B5EF4-FFF2-40B4-BE49-F238E27FC236}">
-                <a16:creationId xmlns:a16="http://schemas.microsoft.com/office/drawing/2014/main" id="{54870EE0-A3FC-44A2-80FB-C1B117F553A6}"/>
-              </a:ext>
-            </a:extLst>
-          </p:cNvPr>
-          <p:cNvSpPr>
-            <a:spLocks noGrp="1"/>
-          </p:cNvSpPr>
-          <p:nvPr>
-            <p:ph type="ftr" sz="quarter" idx="10"/>
-          </p:nvPr>
-        </p:nvSpPr>
-        <p:spPr/>
-        <p:txBody>
-          <a:bodyPr/>
-          <a:lstStyle/>
-          <a:p>
-            <a:r>
-              <a:rPr lang="en-US"/>
-              <a:t>07-05-2019</a:t>
-            </a:r>
-            <a:endParaRPr lang="en-US" dirty="0"/>
+              <a:t>: S-100)</a:t>
+            </a:r>
           </a:p>
         </p:txBody>
       </p:sp>
       <p:pic>
         <p:nvPicPr>
-          <p:cNvPr id="6" name="Picture 5">
+          <p:cNvPr id="4" name="Picture 3">
             <a:extLst>
               <a:ext uri="{FF2B5EF4-FFF2-40B4-BE49-F238E27FC236}">
-                <a16:creationId xmlns:a16="http://schemas.microsoft.com/office/drawing/2014/main" id="{E5D0A7DB-64A6-44BA-BFC1-FD6EB0E1D5EB}"/>
+                <a16:creationId xmlns:a16="http://schemas.microsoft.com/office/drawing/2014/main" id="{68792196-EDE8-8A4F-B7ED-6BE03F3DE7E7}"/>
               </a:ext>
             </a:extLst>
           </p:cNvPr>
@@ -6705,26 +6362,417 @@
           </p:cNvPicPr>
           <p:nvPr/>
         </p:nvPicPr>
-        <p:blipFill>
-          <a:blip r:embed="rId3"/>
-          <a:stretch>
-            <a:fillRect/>
-          </a:stretch>
+        <p:blipFill rotWithShape="1">
+          <a:blip r:embed="rId2"/>
+          <a:srcRect l="4782" t="36031" r="4422" b="16577"/>
+          <a:stretch/>
         </p:blipFill>
         <p:spPr>
           <a:xfrm>
-            <a:off x="3270720" y="4214772"/>
-            <a:ext cx="2762250" cy="476250"/>
+            <a:off x="2123440" y="1646017"/>
+            <a:ext cx="4197767" cy="2457000"/>
           </a:xfrm>
           <a:prstGeom prst="rect">
             <a:avLst/>
           </a:prstGeom>
         </p:spPr>
       </p:pic>
+      <p:sp>
+        <p:nvSpPr>
+          <p:cNvPr id="7" name="Down Arrow 6">
+            <a:extLst>
+              <a:ext uri="{FF2B5EF4-FFF2-40B4-BE49-F238E27FC236}">
+                <a16:creationId xmlns:a16="http://schemas.microsoft.com/office/drawing/2014/main" id="{FC1006BC-1F56-AA40-8059-E526B2AF6F70}"/>
+              </a:ext>
+            </a:extLst>
+          </p:cNvPr>
+          <p:cNvSpPr/>
+          <p:nvPr/>
+        </p:nvSpPr>
+        <p:spPr>
+          <a:xfrm rot="2673431">
+            <a:off x="6325936" y="2678374"/>
+            <a:ext cx="45351" cy="803638"/>
+          </a:xfrm>
+          <a:prstGeom prst="downArrow">
+            <a:avLst/>
+          </a:prstGeom>
+          <a:solidFill>
+            <a:srgbClr val="FF0000"/>
+          </a:solidFill>
+          <a:ln>
+            <a:solidFill>
+              <a:srgbClr val="FF0000"/>
+            </a:solidFill>
+          </a:ln>
+        </p:spPr>
+        <p:style>
+          <a:lnRef idx="2">
+            <a:schemeClr val="accent1">
+              <a:shade val="50000"/>
+            </a:schemeClr>
+          </a:lnRef>
+          <a:fillRef idx="1">
+            <a:schemeClr val="accent1"/>
+          </a:fillRef>
+          <a:effectRef idx="0">
+            <a:schemeClr val="accent1"/>
+          </a:effectRef>
+          <a:fontRef idx="minor">
+            <a:schemeClr val="lt1"/>
+          </a:fontRef>
+        </p:style>
+        <p:txBody>
+          <a:bodyPr rtlCol="0" anchor="ctr"/>
+          <a:lstStyle/>
+          <a:p>
+            <a:pPr algn="ctr"/>
+            <a:endParaRPr lang="fi-FI" sz="1350"/>
+          </a:p>
+        </p:txBody>
+      </p:sp>
+      <p:sp>
+        <p:nvSpPr>
+          <p:cNvPr id="8" name="Down Arrow 7">
+            <a:extLst>
+              <a:ext uri="{FF2B5EF4-FFF2-40B4-BE49-F238E27FC236}">
+                <a16:creationId xmlns:a16="http://schemas.microsoft.com/office/drawing/2014/main" id="{76DCBB67-F1CE-C14E-89CA-C53E99E0A6CB}"/>
+              </a:ext>
+            </a:extLst>
+          </p:cNvPr>
+          <p:cNvSpPr/>
+          <p:nvPr/>
+        </p:nvSpPr>
+        <p:spPr>
+          <a:xfrm rot="3533917">
+            <a:off x="6418482" y="2963540"/>
+            <a:ext cx="43954" cy="785782"/>
+          </a:xfrm>
+          <a:prstGeom prst="downArrow">
+            <a:avLst/>
+          </a:prstGeom>
+          <a:solidFill>
+            <a:srgbClr val="FF0000"/>
+          </a:solidFill>
+          <a:ln>
+            <a:solidFill>
+              <a:srgbClr val="FF0000"/>
+            </a:solidFill>
+          </a:ln>
+        </p:spPr>
+        <p:style>
+          <a:lnRef idx="2">
+            <a:schemeClr val="accent1">
+              <a:shade val="50000"/>
+            </a:schemeClr>
+          </a:lnRef>
+          <a:fillRef idx="1">
+            <a:schemeClr val="accent1"/>
+          </a:fillRef>
+          <a:effectRef idx="0">
+            <a:schemeClr val="accent1"/>
+          </a:effectRef>
+          <a:fontRef idx="minor">
+            <a:schemeClr val="lt1"/>
+          </a:fontRef>
+        </p:style>
+        <p:txBody>
+          <a:bodyPr rtlCol="0" anchor="ctr"/>
+          <a:lstStyle/>
+          <a:p>
+            <a:pPr algn="ctr"/>
+            <a:endParaRPr lang="fi-FI" sz="1350"/>
+          </a:p>
+        </p:txBody>
+      </p:sp>
+      <p:sp>
+        <p:nvSpPr>
+          <p:cNvPr id="9" name="Down Arrow 8">
+            <a:extLst>
+              <a:ext uri="{FF2B5EF4-FFF2-40B4-BE49-F238E27FC236}">
+                <a16:creationId xmlns:a16="http://schemas.microsoft.com/office/drawing/2014/main" id="{B9945D93-3878-5B4C-8DEF-1D09946CC272}"/>
+              </a:ext>
+            </a:extLst>
+          </p:cNvPr>
+          <p:cNvSpPr/>
+          <p:nvPr/>
+        </p:nvSpPr>
+        <p:spPr>
+          <a:xfrm rot="2181117" flipH="1">
+            <a:off x="6187257" y="2081930"/>
+            <a:ext cx="55227" cy="1275042"/>
+          </a:xfrm>
+          <a:prstGeom prst="downArrow">
+            <a:avLst/>
+          </a:prstGeom>
+          <a:solidFill>
+            <a:srgbClr val="FF0000"/>
+          </a:solidFill>
+          <a:ln>
+            <a:solidFill>
+              <a:srgbClr val="FF0000"/>
+            </a:solidFill>
+          </a:ln>
+        </p:spPr>
+        <p:style>
+          <a:lnRef idx="2">
+            <a:schemeClr val="accent1">
+              <a:shade val="50000"/>
+            </a:schemeClr>
+          </a:lnRef>
+          <a:fillRef idx="1">
+            <a:schemeClr val="accent1"/>
+          </a:fillRef>
+          <a:effectRef idx="0">
+            <a:schemeClr val="accent1"/>
+          </a:effectRef>
+          <a:fontRef idx="minor">
+            <a:schemeClr val="lt1"/>
+          </a:fontRef>
+        </p:style>
+        <p:txBody>
+          <a:bodyPr rtlCol="0" anchor="ctr"/>
+          <a:lstStyle/>
+          <a:p>
+            <a:pPr algn="ctr"/>
+            <a:endParaRPr lang="fi-FI" sz="1350"/>
+          </a:p>
+        </p:txBody>
+      </p:sp>
+      <p:sp>
+        <p:nvSpPr>
+          <p:cNvPr id="11" name="TextBox 10">
+            <a:extLst>
+              <a:ext uri="{FF2B5EF4-FFF2-40B4-BE49-F238E27FC236}">
+                <a16:creationId xmlns:a16="http://schemas.microsoft.com/office/drawing/2014/main" id="{7E234B24-F22C-7849-8442-512383B9A754}"/>
+              </a:ext>
+            </a:extLst>
+          </p:cNvPr>
+          <p:cNvSpPr txBox="1"/>
+          <p:nvPr/>
+        </p:nvSpPr>
+        <p:spPr>
+          <a:xfrm>
+            <a:off x="6798386" y="2965682"/>
+            <a:ext cx="370614" cy="300082"/>
+          </a:xfrm>
+          <a:prstGeom prst="rect">
+            <a:avLst/>
+          </a:prstGeom>
+          <a:noFill/>
+        </p:spPr>
+        <p:txBody>
+          <a:bodyPr wrap="none" rtlCol="0">
+            <a:spAutoFit/>
+          </a:bodyPr>
+          <a:lstStyle/>
+          <a:p>
+            <a:r>
+              <a:rPr lang="fi-FI" sz="1350" dirty="0"/>
+              <a:t>5V</a:t>
+            </a:r>
+          </a:p>
+        </p:txBody>
+      </p:sp>
+      <p:sp>
+        <p:nvSpPr>
+          <p:cNvPr id="12" name="TextBox 11">
+            <a:extLst>
+              <a:ext uri="{FF2B5EF4-FFF2-40B4-BE49-F238E27FC236}">
+                <a16:creationId xmlns:a16="http://schemas.microsoft.com/office/drawing/2014/main" id="{1E81E3DE-2B75-B84C-8CAC-9AFF984EC7DC}"/>
+              </a:ext>
+            </a:extLst>
+          </p:cNvPr>
+          <p:cNvSpPr txBox="1"/>
+          <p:nvPr/>
+        </p:nvSpPr>
+        <p:spPr>
+          <a:xfrm>
+            <a:off x="6687855" y="2569201"/>
+            <a:ext cx="511679" cy="300082"/>
+          </a:xfrm>
+          <a:prstGeom prst="rect">
+            <a:avLst/>
+          </a:prstGeom>
+          <a:noFill/>
+        </p:spPr>
+        <p:txBody>
+          <a:bodyPr wrap="none" rtlCol="0">
+            <a:spAutoFit/>
+          </a:bodyPr>
+          <a:lstStyle/>
+          <a:p>
+            <a:r>
+              <a:rPr lang="fi-FI" sz="1350" dirty="0"/>
+              <a:t>GND</a:t>
+            </a:r>
+          </a:p>
+        </p:txBody>
+      </p:sp>
+      <p:sp>
+        <p:nvSpPr>
+          <p:cNvPr id="13" name="TextBox 12">
+            <a:extLst>
+              <a:ext uri="{FF2B5EF4-FFF2-40B4-BE49-F238E27FC236}">
+                <a16:creationId xmlns:a16="http://schemas.microsoft.com/office/drawing/2014/main" id="{84CA0916-A4A6-DB4C-95BB-C7F20938D094}"/>
+              </a:ext>
+            </a:extLst>
+          </p:cNvPr>
+          <p:cNvSpPr txBox="1"/>
+          <p:nvPr/>
+        </p:nvSpPr>
+        <p:spPr>
+          <a:xfrm>
+            <a:off x="6584301" y="1966093"/>
+            <a:ext cx="359394" cy="300082"/>
+          </a:xfrm>
+          <a:prstGeom prst="rect">
+            <a:avLst/>
+          </a:prstGeom>
+          <a:noFill/>
+        </p:spPr>
+        <p:txBody>
+          <a:bodyPr wrap="none" rtlCol="0">
+            <a:spAutoFit/>
+          </a:bodyPr>
+          <a:lstStyle/>
+          <a:p>
+            <a:r>
+              <a:rPr lang="fi-FI" sz="1350" dirty="0"/>
+              <a:t>TX</a:t>
+            </a:r>
+          </a:p>
+        </p:txBody>
+      </p:sp>
+      <p:sp>
+        <p:nvSpPr>
+          <p:cNvPr id="15" name="Slide Number Placeholder 14">
+            <a:extLst>
+              <a:ext uri="{FF2B5EF4-FFF2-40B4-BE49-F238E27FC236}">
+                <a16:creationId xmlns:a16="http://schemas.microsoft.com/office/drawing/2014/main" id="{9C02722C-7E0C-4073-96EA-ECEEAD18DD6F}"/>
+              </a:ext>
+            </a:extLst>
+          </p:cNvPr>
+          <p:cNvSpPr>
+            <a:spLocks noGrp="1"/>
+          </p:cNvSpPr>
+          <p:nvPr>
+            <p:ph type="sldNum" sz="quarter" idx="11"/>
+          </p:nvPr>
+        </p:nvSpPr>
+        <p:spPr>
+          <a:xfrm>
+            <a:off x="7791104" y="6449626"/>
+            <a:ext cx="984019" cy="365125"/>
+          </a:xfrm>
+        </p:spPr>
+        <p:txBody>
+          <a:bodyPr/>
+          <a:lstStyle/>
+          <a:p>
+            <a:fld id="{94613EF8-138C-EE4A-98C4-7FE3A831C097}" type="slidenum">
+              <a:rPr lang="fi-FI" smtClean="0"/>
+              <a:t>13</a:t>
+            </a:fld>
+            <a:endParaRPr lang="fi-FI" dirty="0"/>
+          </a:p>
+        </p:txBody>
+      </p:sp>
+      <p:sp>
+        <p:nvSpPr>
+          <p:cNvPr id="16" name="Footer Placeholder 15">
+            <a:extLst>
+              <a:ext uri="{FF2B5EF4-FFF2-40B4-BE49-F238E27FC236}">
+                <a16:creationId xmlns:a16="http://schemas.microsoft.com/office/drawing/2014/main" id="{2C321E00-7D45-4C5C-974B-0817F563409B}"/>
+              </a:ext>
+            </a:extLst>
+          </p:cNvPr>
+          <p:cNvSpPr>
+            <a:spLocks noGrp="1"/>
+          </p:cNvSpPr>
+          <p:nvPr>
+            <p:ph type="ftr" sz="quarter" idx="10"/>
+          </p:nvPr>
+        </p:nvSpPr>
+        <p:spPr/>
+        <p:txBody>
+          <a:bodyPr/>
+          <a:lstStyle/>
+          <a:p>
+            <a:r>
+              <a:rPr lang="en-US"/>
+              <a:t>07-05-2019</a:t>
+            </a:r>
+            <a:endParaRPr lang="en-US" dirty="0"/>
+          </a:p>
+        </p:txBody>
+      </p:sp>
+      <p:sp>
+        <p:nvSpPr>
+          <p:cNvPr id="18" name="Content Placeholder 2">
+            <a:extLst>
+              <a:ext uri="{FF2B5EF4-FFF2-40B4-BE49-F238E27FC236}">
+                <a16:creationId xmlns:a16="http://schemas.microsoft.com/office/drawing/2014/main" id="{48390A19-4365-4BE9-92E7-3396F89B09FB}"/>
+              </a:ext>
+            </a:extLst>
+          </p:cNvPr>
+          <p:cNvSpPr>
+            <a:spLocks noGrp="1"/>
+          </p:cNvSpPr>
+          <p:nvPr>
+            <p:ph idx="1"/>
+          </p:nvPr>
+        </p:nvSpPr>
+        <p:spPr>
+          <a:xfrm>
+            <a:off x="822960" y="4262270"/>
+            <a:ext cx="7543801" cy="1803250"/>
+          </a:xfrm>
+        </p:spPr>
+        <p:txBody>
+          <a:bodyPr>
+            <a:normAutofit/>
+          </a:bodyPr>
+          <a:lstStyle/>
+          <a:p>
+            <a:r>
+              <a:rPr lang="fi-FI" dirty="0"/>
+              <a:t>Connect jumper cables:</a:t>
+            </a:r>
+          </a:p>
+          <a:p>
+            <a:pPr lvl="1"/>
+            <a:r>
+              <a:rPr lang="fi-FI" dirty="0"/>
+              <a:t>Sensor TX -&gt; ESP RX</a:t>
+            </a:r>
+          </a:p>
+          <a:p>
+            <a:pPr lvl="1"/>
+            <a:r>
+              <a:rPr lang="fi-FI" dirty="0"/>
+              <a:t>Sensor GND -&gt; ESP GND</a:t>
+            </a:r>
+          </a:p>
+          <a:p>
+            <a:pPr lvl="1"/>
+            <a:r>
+              <a:rPr lang="fi-FI" dirty="0"/>
+              <a:t>Sensor 5V -&gt; ESP 5V</a:t>
+            </a:r>
+          </a:p>
+          <a:p>
+            <a:pPr marL="0" indent="0">
+              <a:buNone/>
+            </a:pPr>
+            <a:endParaRPr lang="fi-FI" dirty="0"/>
+          </a:p>
+        </p:txBody>
+      </p:sp>
     </p:spTree>
     <p:extLst>
       <p:ext uri="{BB962C8B-B14F-4D97-AF65-F5344CB8AC3E}">
-        <p14:creationId xmlns:p14="http://schemas.microsoft.com/office/powerpoint/2010/main" val="2494570709"/>
+        <p14:creationId xmlns:p14="http://schemas.microsoft.com/office/powerpoint/2010/main" val="3498178211"/>
       </p:ext>
     </p:extLst>
   </p:cSld>
@@ -6753,6 +6801,343 @@
       </p:grpSpPr>
       <p:sp>
         <p:nvSpPr>
+          <p:cNvPr id="2" name="Title 1">
+            <a:extLst>
+              <a:ext uri="{FF2B5EF4-FFF2-40B4-BE49-F238E27FC236}">
+                <a16:creationId xmlns:a16="http://schemas.microsoft.com/office/drawing/2014/main" id="{F0DE0F10-F02D-4A73-A4C8-E0870D468477}"/>
+              </a:ext>
+            </a:extLst>
+          </p:cNvPr>
+          <p:cNvSpPr>
+            <a:spLocks noGrp="1"/>
+          </p:cNvSpPr>
+          <p:nvPr>
+            <p:ph type="title"/>
+          </p:nvPr>
+        </p:nvSpPr>
+        <p:spPr/>
+        <p:txBody>
+          <a:bodyPr>
+            <a:normAutofit/>
+          </a:bodyPr>
+          <a:lstStyle/>
+          <a:p>
+            <a:r>
+              <a:rPr lang="fi-FI" dirty="0"/>
+              <a:t>Interfacing CO2 Sensor with ESP8266</a:t>
+            </a:r>
+            <a:endParaRPr lang="en-US" dirty="0"/>
+          </a:p>
+        </p:txBody>
+      </p:sp>
+      <p:sp>
+        <p:nvSpPr>
+          <p:cNvPr id="3" name="Content Placeholder 2">
+            <a:extLst>
+              <a:ext uri="{FF2B5EF4-FFF2-40B4-BE49-F238E27FC236}">
+                <a16:creationId xmlns:a16="http://schemas.microsoft.com/office/drawing/2014/main" id="{1239D035-5048-40CC-951F-B3E56B93A7B8}"/>
+              </a:ext>
+            </a:extLst>
+          </p:cNvPr>
+          <p:cNvSpPr>
+            <a:spLocks noGrp="1"/>
+          </p:cNvSpPr>
+          <p:nvPr>
+            <p:ph idx="1"/>
+          </p:nvPr>
+        </p:nvSpPr>
+        <p:spPr>
+          <a:xfrm>
+            <a:off x="822959" y="1417319"/>
+            <a:ext cx="7543801" cy="4903967"/>
+          </a:xfrm>
+        </p:spPr>
+        <p:txBody>
+          <a:bodyPr>
+            <a:normAutofit fontScale="85000" lnSpcReduction="20000"/>
+          </a:bodyPr>
+          <a:lstStyle/>
+          <a:p>
+            <a:pPr marL="342900" indent="-342900" algn="just">
+              <a:buFont typeface="+mj-lt"/>
+              <a:buAutoNum type="arabicPeriod"/>
+            </a:pPr>
+            <a:r>
+              <a:rPr lang="fi-FI" dirty="0"/>
+              <a:t>Connect ESP chip with your laptop USB port.</a:t>
+            </a:r>
+          </a:p>
+          <a:p>
+            <a:pPr marL="342900" indent="-342900" algn="just">
+              <a:buFont typeface="+mj-lt"/>
+              <a:buAutoNum type="arabicPeriod"/>
+            </a:pPr>
+            <a:r>
+              <a:rPr lang="fi-FI" dirty="0"/>
+              <a:t>Start Arduino IDE and select the following board from Tools -&gt; Board</a:t>
+            </a:r>
+          </a:p>
+          <a:p>
+            <a:pPr marL="620712" lvl="1" indent="-285750" algn="just"/>
+            <a:r>
+              <a:rPr lang="fi-FI" sz="1800" dirty="0"/>
+              <a:t>LOLIN (WEMOS) D1 R2 and Mini</a:t>
+            </a:r>
+            <a:endParaRPr lang="en-US" dirty="0"/>
+          </a:p>
+          <a:p>
+            <a:pPr marL="347663" indent="-338138" algn="just">
+              <a:buFont typeface="+mj-lt"/>
+              <a:buAutoNum type="arabicPeriod"/>
+            </a:pPr>
+            <a:r>
+              <a:rPr lang="en-US" dirty="0"/>
+              <a:t>Select port using Tools -&gt; Port</a:t>
+            </a:r>
+            <a:endParaRPr lang="fi-FI" dirty="0"/>
+          </a:p>
+          <a:p>
+            <a:pPr marL="347663" indent="-338138" algn="just">
+              <a:buFont typeface="+mj-lt"/>
+              <a:buAutoNum type="arabicPeriod"/>
+            </a:pPr>
+            <a:r>
+              <a:rPr lang="fi-FI" dirty="0"/>
+              <a:t>cd </a:t>
+            </a:r>
+            <a:r>
+              <a:rPr lang="fi-FI" sz="2400" dirty="0">
+                <a:solidFill>
+                  <a:srgbClr val="FF0000"/>
+                </a:solidFill>
+              </a:rPr>
+              <a:t>&lt;....&gt;</a:t>
+            </a:r>
+            <a:r>
+              <a:rPr lang="fi-FI" dirty="0"/>
+              <a:t>/SoS-Scripts/</a:t>
+            </a:r>
+            <a:r>
+              <a:rPr lang="en-US" dirty="0"/>
+              <a:t>CO2_test</a:t>
+            </a:r>
+            <a:r>
+              <a:rPr lang="fi-FI" dirty="0"/>
+              <a:t> (for opening test scripts for CO2 sensor)</a:t>
+            </a:r>
+          </a:p>
+          <a:p>
+            <a:pPr marL="347663" indent="-338138" algn="just">
+              <a:buFont typeface="+mj-lt"/>
+              <a:buAutoNum type="arabicPeriod"/>
+            </a:pPr>
+            <a:r>
+              <a:rPr lang="fi-FI" dirty="0"/>
+              <a:t>Open create_odf tab in Arduino and change &lt;id&gt; of the Object to something unique and change the url to your O-MI Node (</a:t>
+            </a:r>
+            <a:r>
+              <a:rPr lang="fi-FI" dirty="0">
+                <a:hlinkClick r:id="rId2"/>
+              </a:rPr>
+              <a:t>http://yourIP:8080/</a:t>
+            </a:r>
+            <a:r>
+              <a:rPr lang="fi-FI" dirty="0"/>
+              <a:t>)</a:t>
+            </a:r>
+          </a:p>
+          <a:p>
+            <a:pPr marL="347663" indent="-338138" algn="just">
+              <a:buFont typeface="+mj-lt"/>
+              <a:buAutoNum type="arabicPeriod"/>
+            </a:pPr>
+            <a:r>
+              <a:rPr lang="fi-FI" b="1" dirty="0"/>
+              <a:t>Note:</a:t>
+            </a:r>
+            <a:r>
+              <a:rPr lang="fi-FI" dirty="0"/>
+              <a:t> Disconnect the RX of ESP8266 while uploading the code.</a:t>
+            </a:r>
+          </a:p>
+          <a:p>
+            <a:pPr marL="347663" indent="-338138" algn="just">
+              <a:buFont typeface="+mj-lt"/>
+              <a:buAutoNum type="arabicPeriod"/>
+            </a:pPr>
+            <a:r>
+              <a:rPr lang="en-US" dirty="0"/>
+              <a:t>P</a:t>
+            </a:r>
+            <a:r>
+              <a:rPr lang="fi-FI" dirty="0"/>
+              <a:t>ress Upload button</a:t>
+            </a:r>
+          </a:p>
+          <a:p>
+            <a:pPr marL="347663" indent="-338138" algn="just">
+              <a:buFont typeface="+mj-lt"/>
+              <a:buAutoNum type="arabicPeriod"/>
+            </a:pPr>
+            <a:r>
+              <a:rPr lang="fi-FI" dirty="0"/>
+              <a:t>Connect RX of ESP8266 again after uploading is done.</a:t>
+            </a:r>
+          </a:p>
+          <a:p>
+            <a:pPr marL="347663" indent="-338138" algn="just">
+              <a:buFont typeface="+mj-lt"/>
+              <a:buAutoNum type="arabicPeriod"/>
+            </a:pPr>
+            <a:r>
+              <a:rPr lang="fi-FI" dirty="0"/>
+              <a:t>If it fails you might have wrong port or too high upload speed</a:t>
+            </a:r>
+          </a:p>
+          <a:p>
+            <a:pPr marL="347663" indent="-338138" algn="just">
+              <a:buFont typeface="+mj-lt"/>
+              <a:buAutoNum type="arabicPeriod"/>
+            </a:pPr>
+            <a:r>
+              <a:rPr lang="fi-FI" dirty="0"/>
+              <a:t>View the output through Tools -&gt; Serial Monitor</a:t>
+            </a:r>
+          </a:p>
+          <a:p>
+            <a:pPr marL="685800" lvl="1" indent="-342900" algn="just"/>
+            <a:r>
+              <a:rPr lang="fi-FI" sz="1900" dirty="0"/>
+              <a:t>Select baud rate as 38400</a:t>
+            </a:r>
+          </a:p>
+        </p:txBody>
+      </p:sp>
+      <p:sp>
+        <p:nvSpPr>
+          <p:cNvPr id="4" name="Slide Number Placeholder 3">
+            <a:extLst>
+              <a:ext uri="{FF2B5EF4-FFF2-40B4-BE49-F238E27FC236}">
+                <a16:creationId xmlns:a16="http://schemas.microsoft.com/office/drawing/2014/main" id="{94C3375E-0FF9-446F-B8E4-7AD69D965599}"/>
+              </a:ext>
+            </a:extLst>
+          </p:cNvPr>
+          <p:cNvSpPr>
+            <a:spLocks noGrp="1"/>
+          </p:cNvSpPr>
+          <p:nvPr>
+            <p:ph type="sldNum" sz="quarter" idx="11"/>
+          </p:nvPr>
+        </p:nvSpPr>
+        <p:spPr>
+          <a:xfrm>
+            <a:off x="7791104" y="6449626"/>
+            <a:ext cx="984019" cy="365125"/>
+          </a:xfrm>
+        </p:spPr>
+        <p:txBody>
+          <a:bodyPr/>
+          <a:lstStyle/>
+          <a:p>
+            <a:fld id="{94613EF8-138C-EE4A-98C4-7FE3A831C097}" type="slidenum">
+              <a:rPr lang="fi-FI" smtClean="0"/>
+              <a:t>14</a:t>
+            </a:fld>
+            <a:endParaRPr lang="fi-FI" dirty="0"/>
+          </a:p>
+        </p:txBody>
+      </p:sp>
+      <p:sp>
+        <p:nvSpPr>
+          <p:cNvPr id="5" name="Footer Placeholder 4">
+            <a:extLst>
+              <a:ext uri="{FF2B5EF4-FFF2-40B4-BE49-F238E27FC236}">
+                <a16:creationId xmlns:a16="http://schemas.microsoft.com/office/drawing/2014/main" id="{54870EE0-A3FC-44A2-80FB-C1B117F553A6}"/>
+              </a:ext>
+            </a:extLst>
+          </p:cNvPr>
+          <p:cNvSpPr>
+            <a:spLocks noGrp="1"/>
+          </p:cNvSpPr>
+          <p:nvPr>
+            <p:ph type="ftr" sz="quarter" idx="10"/>
+          </p:nvPr>
+        </p:nvSpPr>
+        <p:spPr/>
+        <p:txBody>
+          <a:bodyPr/>
+          <a:lstStyle/>
+          <a:p>
+            <a:r>
+              <a:rPr lang="en-US"/>
+              <a:t>07-05-2019</a:t>
+            </a:r>
+            <a:endParaRPr lang="en-US" dirty="0"/>
+          </a:p>
+        </p:txBody>
+      </p:sp>
+      <p:pic>
+        <p:nvPicPr>
+          <p:cNvPr id="6" name="Picture 5">
+            <a:extLst>
+              <a:ext uri="{FF2B5EF4-FFF2-40B4-BE49-F238E27FC236}">
+                <a16:creationId xmlns:a16="http://schemas.microsoft.com/office/drawing/2014/main" id="{E5D0A7DB-64A6-44BA-BFC1-FD6EB0E1D5EB}"/>
+              </a:ext>
+            </a:extLst>
+          </p:cNvPr>
+          <p:cNvPicPr>
+            <a:picLocks noChangeAspect="1"/>
+          </p:cNvPicPr>
+          <p:nvPr/>
+        </p:nvPicPr>
+        <p:blipFill>
+          <a:blip r:embed="rId3"/>
+          <a:stretch>
+            <a:fillRect/>
+          </a:stretch>
+        </p:blipFill>
+        <p:spPr>
+          <a:xfrm>
+            <a:off x="3270720" y="4214772"/>
+            <a:ext cx="2762250" cy="476250"/>
+          </a:xfrm>
+          <a:prstGeom prst="rect">
+            <a:avLst/>
+          </a:prstGeom>
+        </p:spPr>
+      </p:pic>
+    </p:spTree>
+    <p:extLst>
+      <p:ext uri="{BB962C8B-B14F-4D97-AF65-F5344CB8AC3E}">
+        <p14:creationId xmlns:p14="http://schemas.microsoft.com/office/powerpoint/2010/main" val="2494570709"/>
+      </p:ext>
+    </p:extLst>
+  </p:cSld>
+  <p:clrMapOvr>
+    <a:masterClrMapping/>
+  </p:clrMapOvr>
+</p:sld>
+</file>
+
+<file path=ppt/slides/slide15.xml><?xml version="1.0" encoding="utf-8"?>
+<p:sld xmlns:a="http://schemas.openxmlformats.org/drawingml/2006/main" xmlns:r="http://schemas.openxmlformats.org/officeDocument/2006/relationships" xmlns:p="http://schemas.openxmlformats.org/presentationml/2006/main">
+  <p:cSld>
+    <p:spTree>
+      <p:nvGrpSpPr>
+        <p:cNvPr id="1" name=""/>
+        <p:cNvGrpSpPr/>
+        <p:nvPr/>
+      </p:nvGrpSpPr>
+      <p:grpSpPr>
+        <a:xfrm>
+          <a:off x="0" y="0"/>
+          <a:ext cx="0" cy="0"/>
+          <a:chOff x="0" y="0"/>
+          <a:chExt cx="0" cy="0"/>
+        </a:xfrm>
+      </p:grpSpPr>
+      <p:sp>
+        <p:nvSpPr>
           <p:cNvPr id="4" name="Title 1">
             <a:extLst>
               <a:ext uri="{FF2B5EF4-FFF2-40B4-BE49-F238E27FC236}">
@@ -7428,7 +7813,7 @@
           <a:p>
             <a:fld id="{94613EF8-138C-EE4A-98C4-7FE3A831C097}" type="slidenum">
               <a:rPr lang="fi-FI" smtClean="0"/>
-              <a:t>14</a:t>
+              <a:t>15</a:t>
             </a:fld>
             <a:endParaRPr lang="fi-FI" dirty="0"/>
           </a:p>
@@ -7792,283 +8177,6 @@
 </p:sld>
 </file>
 
-<file path=ppt/slides/slide15.xml><?xml version="1.0" encoding="utf-8"?>
-<p:sld xmlns:a="http://schemas.openxmlformats.org/drawingml/2006/main" xmlns:r="http://schemas.openxmlformats.org/officeDocument/2006/relationships" xmlns:p="http://schemas.openxmlformats.org/presentationml/2006/main">
-  <p:cSld>
-    <p:spTree>
-      <p:nvGrpSpPr>
-        <p:cNvPr id="1" name=""/>
-        <p:cNvGrpSpPr/>
-        <p:nvPr/>
-      </p:nvGrpSpPr>
-      <p:grpSpPr>
-        <a:xfrm>
-          <a:off x="0" y="0"/>
-          <a:ext cx="0" cy="0"/>
-          <a:chOff x="0" y="0"/>
-          <a:chExt cx="0" cy="0"/>
-        </a:xfrm>
-      </p:grpSpPr>
-      <p:sp>
-        <p:nvSpPr>
-          <p:cNvPr id="2" name="Title 1">
-            <a:extLst>
-              <a:ext uri="{FF2B5EF4-FFF2-40B4-BE49-F238E27FC236}">
-                <a16:creationId xmlns:a16="http://schemas.microsoft.com/office/drawing/2014/main" id="{63D76E69-7DDF-384B-A4EA-812961D1D797}"/>
-              </a:ext>
-            </a:extLst>
-          </p:cNvPr>
-          <p:cNvSpPr>
-            <a:spLocks noGrp="1"/>
-          </p:cNvSpPr>
-          <p:nvPr>
-            <p:ph type="title"/>
-          </p:nvPr>
-        </p:nvSpPr>
-        <p:spPr/>
-        <p:txBody>
-          <a:bodyPr/>
-          <a:lstStyle/>
-          <a:p>
-            <a:r>
-              <a:rPr lang="fi-FI" dirty="0"/>
-              <a:t>SHT20 Sensor </a:t>
-            </a:r>
-          </a:p>
-        </p:txBody>
-      </p:sp>
-      <p:sp>
-        <p:nvSpPr>
-          <p:cNvPr id="3" name="Content Placeholder 2">
-            <a:extLst>
-              <a:ext uri="{FF2B5EF4-FFF2-40B4-BE49-F238E27FC236}">
-                <a16:creationId xmlns:a16="http://schemas.microsoft.com/office/drawing/2014/main" id="{C07298BB-AD53-894C-8450-C0C9A9FCF7A7}"/>
-              </a:ext>
-            </a:extLst>
-          </p:cNvPr>
-          <p:cNvSpPr>
-            <a:spLocks noGrp="1"/>
-          </p:cNvSpPr>
-          <p:nvPr>
-            <p:ph idx="1"/>
-          </p:nvPr>
-        </p:nvSpPr>
-        <p:spPr>
-          <a:xfrm>
-            <a:off x="822959" y="1431236"/>
-            <a:ext cx="7543801" cy="4522304"/>
-          </a:xfrm>
-        </p:spPr>
-        <p:txBody>
-          <a:bodyPr>
-            <a:normAutofit/>
-          </a:bodyPr>
-          <a:lstStyle/>
-          <a:p>
-            <a:r>
-              <a:rPr lang="fi-FI" sz="2000" dirty="0"/>
-              <a:t>Download the library for SHT20 from </a:t>
-            </a:r>
-            <a:r>
-              <a:rPr lang="en-US" sz="2000" dirty="0">
-                <a:hlinkClick r:id="rId2"/>
-              </a:rPr>
-              <a:t>https://github.com/DFRobot/DFRobot_SHT20</a:t>
-            </a:r>
-            <a:r>
-              <a:rPr lang="fi-FI" sz="2000" dirty="0"/>
-              <a:t> into the ’libraries’ folder of your Arduino installation directory (</a:t>
-            </a:r>
-            <a:r>
-              <a:rPr lang="fi-FI" sz="2000" dirty="0">
-                <a:solidFill>
-                  <a:srgbClr val="FF0000"/>
-                </a:solidFill>
-              </a:rPr>
-              <a:t>&lt;....&gt;</a:t>
-            </a:r>
-            <a:r>
-              <a:rPr lang="fi-FI" sz="2000" dirty="0"/>
-              <a:t>/Documents/Arduino/libraries). </a:t>
-            </a:r>
-          </a:p>
-          <a:p>
-            <a:r>
-              <a:rPr lang="fi-FI" sz="2000" dirty="0"/>
-              <a:t>cd </a:t>
-            </a:r>
-            <a:r>
-              <a:rPr lang="fi-FI" sz="2000" dirty="0">
-                <a:solidFill>
-                  <a:srgbClr val="FF0000"/>
-                </a:solidFill>
-              </a:rPr>
-              <a:t>&lt;....&gt;</a:t>
-            </a:r>
-            <a:r>
-              <a:rPr lang="fi-FI" sz="2000" dirty="0">
-                <a:solidFill>
-                  <a:schemeClr val="tx1"/>
-                </a:solidFill>
-              </a:rPr>
-              <a:t>/</a:t>
-            </a:r>
-            <a:r>
-              <a:rPr lang="en-US" sz="2000" dirty="0" err="1"/>
-              <a:t>SoS</a:t>
-            </a:r>
-            <a:r>
-              <a:rPr lang="en-US" sz="2000" dirty="0"/>
-              <a:t>-Scripts/</a:t>
-            </a:r>
-            <a:r>
-              <a:rPr lang="en-US" sz="2000" dirty="0" err="1"/>
-              <a:t>temp_humi_test</a:t>
-            </a:r>
-            <a:r>
-              <a:rPr lang="en-US" sz="2000" dirty="0"/>
-              <a:t> (go to our </a:t>
-            </a:r>
-            <a:r>
-              <a:rPr lang="fi-FI" sz="2000" dirty="0"/>
-              <a:t>scripts directory)</a:t>
-            </a:r>
-          </a:p>
-          <a:p>
-            <a:r>
-              <a:rPr lang="fi-FI" sz="2000" dirty="0"/>
-              <a:t>Open create_odf tab in Arduino and change &lt;id&gt; of the Object to something unique and change the url to your O-MI Node (</a:t>
-            </a:r>
-            <a:r>
-              <a:rPr lang="fi-FI" sz="2000" dirty="0">
-                <a:hlinkClick r:id="rId3"/>
-              </a:rPr>
-              <a:t>http://yourIP:8080</a:t>
-            </a:r>
-            <a:r>
-              <a:rPr lang="fi-FI" sz="2000" dirty="0"/>
-              <a:t>/)</a:t>
-            </a:r>
-          </a:p>
-          <a:p>
-            <a:r>
-              <a:rPr lang="en-US" sz="2000" dirty="0"/>
-              <a:t>P</a:t>
-            </a:r>
-            <a:r>
-              <a:rPr lang="fi-FI" sz="2000" dirty="0"/>
-              <a:t>ress Upload button</a:t>
-            </a:r>
-          </a:p>
-          <a:p>
-            <a:r>
-              <a:rPr lang="fi-FI" sz="2000" dirty="0"/>
-              <a:t>Tools -&gt; Serial Monitor </a:t>
-            </a:r>
-          </a:p>
-          <a:p>
-            <a:pPr lvl="1"/>
-            <a:r>
-              <a:rPr lang="fi-FI" sz="1800" dirty="0"/>
-              <a:t>Select baud rate as 115200</a:t>
-            </a:r>
-          </a:p>
-          <a:p>
-            <a:pPr marL="0" indent="0" algn="just">
-              <a:buNone/>
-            </a:pPr>
-            <a:endParaRPr lang="fi-FI" dirty="0"/>
-          </a:p>
-          <a:p>
-            <a:pPr marL="0" indent="0" algn="just">
-              <a:buNone/>
-            </a:pPr>
-            <a:endParaRPr lang="fi-FI" dirty="0"/>
-          </a:p>
-          <a:p>
-            <a:pPr marL="0" indent="0" algn="just">
-              <a:buNone/>
-            </a:pPr>
-            <a:endParaRPr lang="fi-FI" dirty="0"/>
-          </a:p>
-        </p:txBody>
-      </p:sp>
-      <p:sp>
-        <p:nvSpPr>
-          <p:cNvPr id="5" name="Slide Number Placeholder 4">
-            <a:extLst>
-              <a:ext uri="{FF2B5EF4-FFF2-40B4-BE49-F238E27FC236}">
-                <a16:creationId xmlns:a16="http://schemas.microsoft.com/office/drawing/2014/main" id="{CA629457-FB5B-4AD6-9B77-AD41086FB17E}"/>
-              </a:ext>
-            </a:extLst>
-          </p:cNvPr>
-          <p:cNvSpPr>
-            <a:spLocks noGrp="1"/>
-          </p:cNvSpPr>
-          <p:nvPr>
-            <p:ph type="sldNum" sz="quarter" idx="11"/>
-          </p:nvPr>
-        </p:nvSpPr>
-        <p:spPr>
-          <a:xfrm>
-            <a:off x="7791104" y="6449626"/>
-            <a:ext cx="984019" cy="365125"/>
-          </a:xfrm>
-        </p:spPr>
-        <p:txBody>
-          <a:bodyPr/>
-          <a:lstStyle/>
-          <a:p>
-            <a:fld id="{94613EF8-138C-EE4A-98C4-7FE3A831C097}" type="slidenum">
-              <a:rPr lang="fi-FI" smtClean="0"/>
-              <a:t>15</a:t>
-            </a:fld>
-            <a:endParaRPr lang="fi-FI" dirty="0"/>
-          </a:p>
-        </p:txBody>
-      </p:sp>
-      <p:sp>
-        <p:nvSpPr>
-          <p:cNvPr id="7" name="Footer Placeholder 6">
-            <a:extLst>
-              <a:ext uri="{FF2B5EF4-FFF2-40B4-BE49-F238E27FC236}">
-                <a16:creationId xmlns:a16="http://schemas.microsoft.com/office/drawing/2014/main" id="{22494866-5C43-4A07-998E-78B5608D0F62}"/>
-              </a:ext>
-            </a:extLst>
-          </p:cNvPr>
-          <p:cNvSpPr>
-            <a:spLocks noGrp="1"/>
-          </p:cNvSpPr>
-          <p:nvPr>
-            <p:ph type="ftr" sz="quarter" idx="10"/>
-          </p:nvPr>
-        </p:nvSpPr>
-        <p:spPr/>
-        <p:txBody>
-          <a:bodyPr/>
-          <a:lstStyle/>
-          <a:p>
-            <a:r>
-              <a:rPr lang="en-US"/>
-              <a:t>07-05-2019</a:t>
-            </a:r>
-            <a:endParaRPr lang="en-US" dirty="0"/>
-          </a:p>
-        </p:txBody>
-      </p:sp>
-    </p:spTree>
-    <p:extLst>
-      <p:ext uri="{BB962C8B-B14F-4D97-AF65-F5344CB8AC3E}">
-        <p14:creationId xmlns:p14="http://schemas.microsoft.com/office/powerpoint/2010/main" val="177368032"/>
-      </p:ext>
-    </p:extLst>
-  </p:cSld>
-  <p:clrMapOvr>
-    <a:masterClrMapping/>
-  </p:clrMapOvr>
-</p:sld>
-</file>
-
 <file path=ppt/slides/slide16.xml><?xml version="1.0" encoding="utf-8"?>
 <p:sld xmlns:a="http://schemas.openxmlformats.org/drawingml/2006/main" xmlns:r="http://schemas.openxmlformats.org/officeDocument/2006/relationships" xmlns:p="http://schemas.openxmlformats.org/presentationml/2006/main">
   <p:cSld>
@@ -8091,6 +8199,283 @@
           <p:cNvPr id="2" name="Title 1">
             <a:extLst>
               <a:ext uri="{FF2B5EF4-FFF2-40B4-BE49-F238E27FC236}">
+                <a16:creationId xmlns:a16="http://schemas.microsoft.com/office/drawing/2014/main" id="{63D76E69-7DDF-384B-A4EA-812961D1D797}"/>
+              </a:ext>
+            </a:extLst>
+          </p:cNvPr>
+          <p:cNvSpPr>
+            <a:spLocks noGrp="1"/>
+          </p:cNvSpPr>
+          <p:nvPr>
+            <p:ph type="title"/>
+          </p:nvPr>
+        </p:nvSpPr>
+        <p:spPr/>
+        <p:txBody>
+          <a:bodyPr/>
+          <a:lstStyle/>
+          <a:p>
+            <a:r>
+              <a:rPr lang="fi-FI" dirty="0"/>
+              <a:t>SHT20 Sensor </a:t>
+            </a:r>
+          </a:p>
+        </p:txBody>
+      </p:sp>
+      <p:sp>
+        <p:nvSpPr>
+          <p:cNvPr id="3" name="Content Placeholder 2">
+            <a:extLst>
+              <a:ext uri="{FF2B5EF4-FFF2-40B4-BE49-F238E27FC236}">
+                <a16:creationId xmlns:a16="http://schemas.microsoft.com/office/drawing/2014/main" id="{C07298BB-AD53-894C-8450-C0C9A9FCF7A7}"/>
+              </a:ext>
+            </a:extLst>
+          </p:cNvPr>
+          <p:cNvSpPr>
+            <a:spLocks noGrp="1"/>
+          </p:cNvSpPr>
+          <p:nvPr>
+            <p:ph idx="1"/>
+          </p:nvPr>
+        </p:nvSpPr>
+        <p:spPr>
+          <a:xfrm>
+            <a:off x="822959" y="1431236"/>
+            <a:ext cx="7543801" cy="4522304"/>
+          </a:xfrm>
+        </p:spPr>
+        <p:txBody>
+          <a:bodyPr>
+            <a:normAutofit/>
+          </a:bodyPr>
+          <a:lstStyle/>
+          <a:p>
+            <a:r>
+              <a:rPr lang="fi-FI" sz="2000" dirty="0"/>
+              <a:t>Download the library for SHT20 from </a:t>
+            </a:r>
+            <a:r>
+              <a:rPr lang="en-US" sz="2000" dirty="0">
+                <a:hlinkClick r:id="rId2"/>
+              </a:rPr>
+              <a:t>https://github.com/DFRobot/DFRobot_SHT20</a:t>
+            </a:r>
+            <a:r>
+              <a:rPr lang="fi-FI" sz="2000" dirty="0"/>
+              <a:t> into the ’libraries’ folder of your Arduino installation directory (</a:t>
+            </a:r>
+            <a:r>
+              <a:rPr lang="fi-FI" sz="2000" dirty="0">
+                <a:solidFill>
+                  <a:srgbClr val="FF0000"/>
+                </a:solidFill>
+              </a:rPr>
+              <a:t>&lt;....&gt;</a:t>
+            </a:r>
+            <a:r>
+              <a:rPr lang="fi-FI" sz="2000" dirty="0"/>
+              <a:t>/Documents/Arduino/libraries). </a:t>
+            </a:r>
+          </a:p>
+          <a:p>
+            <a:r>
+              <a:rPr lang="fi-FI" sz="2000" dirty="0"/>
+              <a:t>cd </a:t>
+            </a:r>
+            <a:r>
+              <a:rPr lang="fi-FI" sz="2000" dirty="0">
+                <a:solidFill>
+                  <a:srgbClr val="FF0000"/>
+                </a:solidFill>
+              </a:rPr>
+              <a:t>&lt;....&gt;</a:t>
+            </a:r>
+            <a:r>
+              <a:rPr lang="fi-FI" sz="2000" dirty="0">
+                <a:solidFill>
+                  <a:schemeClr val="tx1"/>
+                </a:solidFill>
+              </a:rPr>
+              <a:t>/</a:t>
+            </a:r>
+            <a:r>
+              <a:rPr lang="en-US" sz="2000" dirty="0" err="1"/>
+              <a:t>SoS</a:t>
+            </a:r>
+            <a:r>
+              <a:rPr lang="en-US" sz="2000" dirty="0"/>
+              <a:t>-Scripts/</a:t>
+            </a:r>
+            <a:r>
+              <a:rPr lang="en-US" sz="2000" dirty="0" err="1"/>
+              <a:t>temp_humi_test</a:t>
+            </a:r>
+            <a:r>
+              <a:rPr lang="en-US" sz="2000" dirty="0"/>
+              <a:t> (go to our </a:t>
+            </a:r>
+            <a:r>
+              <a:rPr lang="fi-FI" sz="2000" dirty="0"/>
+              <a:t>scripts directory)</a:t>
+            </a:r>
+          </a:p>
+          <a:p>
+            <a:r>
+              <a:rPr lang="fi-FI" sz="2000" dirty="0"/>
+              <a:t>Open create_odf tab in Arduino and change &lt;id&gt; of the Object to something unique and change the url to your O-MI Node (</a:t>
+            </a:r>
+            <a:r>
+              <a:rPr lang="fi-FI" sz="2000" dirty="0">
+                <a:hlinkClick r:id="rId3"/>
+              </a:rPr>
+              <a:t>http://yourIP:8080</a:t>
+            </a:r>
+            <a:r>
+              <a:rPr lang="fi-FI" sz="2000" dirty="0"/>
+              <a:t>/)</a:t>
+            </a:r>
+          </a:p>
+          <a:p>
+            <a:r>
+              <a:rPr lang="en-US" sz="2000" dirty="0"/>
+              <a:t>P</a:t>
+            </a:r>
+            <a:r>
+              <a:rPr lang="fi-FI" sz="2000" dirty="0"/>
+              <a:t>ress Upload button</a:t>
+            </a:r>
+          </a:p>
+          <a:p>
+            <a:r>
+              <a:rPr lang="fi-FI" sz="2000" dirty="0"/>
+              <a:t>Tools -&gt; Serial Monitor </a:t>
+            </a:r>
+          </a:p>
+          <a:p>
+            <a:pPr lvl="1"/>
+            <a:r>
+              <a:rPr lang="fi-FI" sz="1800" dirty="0"/>
+              <a:t>Select baud rate as 115200</a:t>
+            </a:r>
+          </a:p>
+          <a:p>
+            <a:pPr marL="0" indent="0" algn="just">
+              <a:buNone/>
+            </a:pPr>
+            <a:endParaRPr lang="fi-FI" dirty="0"/>
+          </a:p>
+          <a:p>
+            <a:pPr marL="0" indent="0" algn="just">
+              <a:buNone/>
+            </a:pPr>
+            <a:endParaRPr lang="fi-FI" dirty="0"/>
+          </a:p>
+          <a:p>
+            <a:pPr marL="0" indent="0" algn="just">
+              <a:buNone/>
+            </a:pPr>
+            <a:endParaRPr lang="fi-FI" dirty="0"/>
+          </a:p>
+        </p:txBody>
+      </p:sp>
+      <p:sp>
+        <p:nvSpPr>
+          <p:cNvPr id="5" name="Slide Number Placeholder 4">
+            <a:extLst>
+              <a:ext uri="{FF2B5EF4-FFF2-40B4-BE49-F238E27FC236}">
+                <a16:creationId xmlns:a16="http://schemas.microsoft.com/office/drawing/2014/main" id="{CA629457-FB5B-4AD6-9B77-AD41086FB17E}"/>
+              </a:ext>
+            </a:extLst>
+          </p:cNvPr>
+          <p:cNvSpPr>
+            <a:spLocks noGrp="1"/>
+          </p:cNvSpPr>
+          <p:nvPr>
+            <p:ph type="sldNum" sz="quarter" idx="11"/>
+          </p:nvPr>
+        </p:nvSpPr>
+        <p:spPr>
+          <a:xfrm>
+            <a:off x="7791104" y="6449626"/>
+            <a:ext cx="984019" cy="365125"/>
+          </a:xfrm>
+        </p:spPr>
+        <p:txBody>
+          <a:bodyPr/>
+          <a:lstStyle/>
+          <a:p>
+            <a:fld id="{94613EF8-138C-EE4A-98C4-7FE3A831C097}" type="slidenum">
+              <a:rPr lang="fi-FI" smtClean="0"/>
+              <a:t>16</a:t>
+            </a:fld>
+            <a:endParaRPr lang="fi-FI" dirty="0"/>
+          </a:p>
+        </p:txBody>
+      </p:sp>
+      <p:sp>
+        <p:nvSpPr>
+          <p:cNvPr id="7" name="Footer Placeholder 6">
+            <a:extLst>
+              <a:ext uri="{FF2B5EF4-FFF2-40B4-BE49-F238E27FC236}">
+                <a16:creationId xmlns:a16="http://schemas.microsoft.com/office/drawing/2014/main" id="{22494866-5C43-4A07-998E-78B5608D0F62}"/>
+              </a:ext>
+            </a:extLst>
+          </p:cNvPr>
+          <p:cNvSpPr>
+            <a:spLocks noGrp="1"/>
+          </p:cNvSpPr>
+          <p:nvPr>
+            <p:ph type="ftr" sz="quarter" idx="10"/>
+          </p:nvPr>
+        </p:nvSpPr>
+        <p:spPr/>
+        <p:txBody>
+          <a:bodyPr/>
+          <a:lstStyle/>
+          <a:p>
+            <a:r>
+              <a:rPr lang="en-US"/>
+              <a:t>07-05-2019</a:t>
+            </a:r>
+            <a:endParaRPr lang="en-US" dirty="0"/>
+          </a:p>
+        </p:txBody>
+      </p:sp>
+    </p:spTree>
+    <p:extLst>
+      <p:ext uri="{BB962C8B-B14F-4D97-AF65-F5344CB8AC3E}">
+        <p14:creationId xmlns:p14="http://schemas.microsoft.com/office/powerpoint/2010/main" val="177368032"/>
+      </p:ext>
+    </p:extLst>
+  </p:cSld>
+  <p:clrMapOvr>
+    <a:masterClrMapping/>
+  </p:clrMapOvr>
+</p:sld>
+</file>
+
+<file path=ppt/slides/slide17.xml><?xml version="1.0" encoding="utf-8"?>
+<p:sld xmlns:a="http://schemas.openxmlformats.org/drawingml/2006/main" xmlns:r="http://schemas.openxmlformats.org/officeDocument/2006/relationships" xmlns:p="http://schemas.openxmlformats.org/presentationml/2006/main">
+  <p:cSld>
+    <p:spTree>
+      <p:nvGrpSpPr>
+        <p:cNvPr id="1" name=""/>
+        <p:cNvGrpSpPr/>
+        <p:nvPr/>
+      </p:nvGrpSpPr>
+      <p:grpSpPr>
+        <a:xfrm>
+          <a:off x="0" y="0"/>
+          <a:ext cx="0" cy="0"/>
+          <a:chOff x="0" y="0"/>
+          <a:chExt cx="0" cy="0"/>
+        </a:xfrm>
+      </p:grpSpPr>
+      <p:sp>
+        <p:nvSpPr>
+          <p:cNvPr id="2" name="Title 1">
+            <a:extLst>
+              <a:ext uri="{FF2B5EF4-FFF2-40B4-BE49-F238E27FC236}">
                 <a16:creationId xmlns:a16="http://schemas.microsoft.com/office/drawing/2014/main" id="{2BFC3906-20E8-0640-9B9D-E99F40A98D36}"/>
               </a:ext>
             </a:extLst>
@@ -8156,7 +8541,7 @@
           <a:p>
             <a:fld id="{94613EF8-138C-EE4A-98C4-7FE3A831C097}" type="slidenum">
               <a:rPr lang="fi-FI" smtClean="0"/>
-              <a:t>16</a:t>
+              <a:t>17</a:t>
             </a:fld>
             <a:endParaRPr lang="fi-FI" dirty="0"/>
           </a:p>
@@ -8570,7 +8955,7 @@
 </p:sld>
 </file>
 
-<file path=ppt/slides/slide17.xml><?xml version="1.0" encoding="utf-8"?>
+<file path=ppt/slides/slide18.xml><?xml version="1.0" encoding="utf-8"?>
 <p:sld xmlns:a="http://schemas.openxmlformats.org/drawingml/2006/main" xmlns:r="http://schemas.openxmlformats.org/officeDocument/2006/relationships" xmlns:p="http://schemas.openxmlformats.org/presentationml/2006/main">
   <p:cSld>
     <p:spTree>
@@ -8702,7 +9087,7 @@
           <a:p>
             <a:fld id="{94613EF8-138C-EE4A-98C4-7FE3A831C097}" type="slidenum">
               <a:rPr lang="fi-FI" smtClean="0"/>
-              <a:t>17</a:t>
+              <a:t>18</a:t>
             </a:fld>
             <a:endParaRPr lang="fi-FI" dirty="0"/>
           </a:p>
@@ -9827,6 +10212,221 @@
 </file>
 
 <file path=ppt/slides/slide6.xml><?xml version="1.0" encoding="utf-8"?>
+<p:sld xmlns:a="http://schemas.openxmlformats.org/drawingml/2006/main" xmlns:r="http://schemas.openxmlformats.org/officeDocument/2006/relationships" xmlns:p="http://schemas.openxmlformats.org/presentationml/2006/main">
+  <p:cSld>
+    <p:spTree>
+      <p:nvGrpSpPr>
+        <p:cNvPr id="1" name=""/>
+        <p:cNvGrpSpPr/>
+        <p:nvPr/>
+      </p:nvGrpSpPr>
+      <p:grpSpPr>
+        <a:xfrm>
+          <a:off x="0" y="0"/>
+          <a:ext cx="0" cy="0"/>
+          <a:chOff x="0" y="0"/>
+          <a:chExt cx="0" cy="0"/>
+        </a:xfrm>
+      </p:grpSpPr>
+      <p:sp>
+        <p:nvSpPr>
+          <p:cNvPr id="2" name="Title 1">
+            <a:extLst>
+              <a:ext uri="{FF2B5EF4-FFF2-40B4-BE49-F238E27FC236}">
+                <a16:creationId xmlns:a16="http://schemas.microsoft.com/office/drawing/2014/main" id="{54D0EA18-9A07-4E47-95DE-3F42BC76F540}"/>
+              </a:ext>
+            </a:extLst>
+          </p:cNvPr>
+          <p:cNvSpPr>
+            <a:spLocks noGrp="1"/>
+          </p:cNvSpPr>
+          <p:nvPr>
+            <p:ph type="title"/>
+          </p:nvPr>
+        </p:nvSpPr>
+        <p:spPr/>
+        <p:txBody>
+          <a:bodyPr/>
+          <a:lstStyle/>
+          <a:p>
+            <a:r>
+              <a:rPr lang="en-US" dirty="0"/>
+              <a:t>Open Firewall port for O-MI in Windows</a:t>
+            </a:r>
+          </a:p>
+        </p:txBody>
+      </p:sp>
+      <p:sp>
+        <p:nvSpPr>
+          <p:cNvPr id="3" name="Content Placeholder 2">
+            <a:extLst>
+              <a:ext uri="{FF2B5EF4-FFF2-40B4-BE49-F238E27FC236}">
+                <a16:creationId xmlns:a16="http://schemas.microsoft.com/office/drawing/2014/main" id="{EF4B2F79-D000-44DF-87A0-CC1B10F72BC3}"/>
+              </a:ext>
+            </a:extLst>
+          </p:cNvPr>
+          <p:cNvSpPr>
+            <a:spLocks noGrp="1"/>
+          </p:cNvSpPr>
+          <p:nvPr>
+            <p:ph idx="1"/>
+          </p:nvPr>
+        </p:nvSpPr>
+        <p:spPr>
+          <a:xfrm>
+            <a:off x="822959" y="1479974"/>
+            <a:ext cx="7543801" cy="4712104"/>
+          </a:xfrm>
+        </p:spPr>
+        <p:txBody>
+          <a:bodyPr/>
+          <a:lstStyle/>
+          <a:p>
+            <a:r>
+              <a:rPr lang="en-US" sz="2000" dirty="0"/>
+              <a:t>Navigate to Control Panel -&gt; System and Security -&gt; Windows Firewall</a:t>
+            </a:r>
+          </a:p>
+          <a:p>
+            <a:r>
+              <a:rPr lang="en-US" sz="2000" dirty="0"/>
+              <a:t>Select ‘Advanced settings’ from the left menu and highlight Inbound Rules in the left pane</a:t>
+            </a:r>
+            <a:endParaRPr lang="fi-FI" sz="2000" dirty="0"/>
+          </a:p>
+          <a:p>
+            <a:r>
+              <a:rPr lang="en-US" sz="2000" dirty="0"/>
+              <a:t>Right click Inbound Rules and select New Rule</a:t>
+            </a:r>
+          </a:p>
+          <a:p>
+            <a:r>
+              <a:rPr lang="en-US" sz="2000" dirty="0"/>
+              <a:t>Select ‘Port’ and click Next</a:t>
+            </a:r>
+          </a:p>
+          <a:p>
+            <a:r>
+              <a:rPr lang="en-US" sz="2000" dirty="0"/>
+              <a:t>Add the port you need to open and click Next</a:t>
+            </a:r>
+          </a:p>
+          <a:p>
+            <a:r>
+              <a:rPr lang="fi-FI" sz="2000" dirty="0"/>
+              <a:t>Select TCP protocol and add ’</a:t>
+            </a:r>
+            <a:r>
+              <a:rPr lang="fi-FI" sz="2000" b="1" dirty="0"/>
+              <a:t>8080</a:t>
+            </a:r>
+            <a:r>
+              <a:rPr lang="fi-FI" sz="2000" dirty="0"/>
+              <a:t>’ in the port field and click Next</a:t>
+            </a:r>
+          </a:p>
+          <a:p>
+            <a:r>
+              <a:rPr lang="en-US" sz="2000" dirty="0"/>
+              <a:t>Select Allow the connection in the next window and hit Next</a:t>
+            </a:r>
+          </a:p>
+          <a:p>
+            <a:r>
+              <a:rPr lang="en-US" sz="2000" dirty="0"/>
+              <a:t>Select the network type and click Next</a:t>
+            </a:r>
+          </a:p>
+          <a:p>
+            <a:r>
+              <a:rPr lang="en-US" sz="2000" dirty="0"/>
+              <a:t>Name the rule something meaningful and click Finish</a:t>
+            </a:r>
+            <a:endParaRPr lang="fi-FI" sz="2000" dirty="0"/>
+          </a:p>
+          <a:p>
+            <a:endParaRPr lang="fi-FI" dirty="0"/>
+          </a:p>
+        </p:txBody>
+      </p:sp>
+      <p:sp>
+        <p:nvSpPr>
+          <p:cNvPr id="5" name="Slide Number Placeholder 4">
+            <a:extLst>
+              <a:ext uri="{FF2B5EF4-FFF2-40B4-BE49-F238E27FC236}">
+                <a16:creationId xmlns:a16="http://schemas.microsoft.com/office/drawing/2014/main" id="{27801317-626A-4DA0-AE4C-EB8F84392D61}"/>
+              </a:ext>
+            </a:extLst>
+          </p:cNvPr>
+          <p:cNvSpPr>
+            <a:spLocks noGrp="1"/>
+          </p:cNvSpPr>
+          <p:nvPr>
+            <p:ph type="sldNum" sz="quarter" idx="11"/>
+          </p:nvPr>
+        </p:nvSpPr>
+        <p:spPr>
+          <a:xfrm>
+            <a:off x="7791104" y="6449626"/>
+            <a:ext cx="984019" cy="365125"/>
+          </a:xfrm>
+        </p:spPr>
+        <p:txBody>
+          <a:bodyPr/>
+          <a:lstStyle/>
+          <a:p>
+            <a:fld id="{94613EF8-138C-EE4A-98C4-7FE3A831C097}" type="slidenum">
+              <a:rPr lang="fi-FI" smtClean="0"/>
+              <a:t>6</a:t>
+            </a:fld>
+            <a:endParaRPr lang="fi-FI" dirty="0"/>
+          </a:p>
+        </p:txBody>
+      </p:sp>
+      <p:sp>
+        <p:nvSpPr>
+          <p:cNvPr id="6" name="Footer Placeholder 5">
+            <a:extLst>
+              <a:ext uri="{FF2B5EF4-FFF2-40B4-BE49-F238E27FC236}">
+                <a16:creationId xmlns:a16="http://schemas.microsoft.com/office/drawing/2014/main" id="{8267EAA0-FD4C-4FCD-BDAC-92F950A70892}"/>
+              </a:ext>
+            </a:extLst>
+          </p:cNvPr>
+          <p:cNvSpPr>
+            <a:spLocks noGrp="1"/>
+          </p:cNvSpPr>
+          <p:nvPr>
+            <p:ph type="ftr" sz="quarter" idx="10"/>
+          </p:nvPr>
+        </p:nvSpPr>
+        <p:spPr/>
+        <p:txBody>
+          <a:bodyPr/>
+          <a:lstStyle/>
+          <a:p>
+            <a:r>
+              <a:rPr lang="en-US"/>
+              <a:t>07-05-2019</a:t>
+            </a:r>
+            <a:endParaRPr lang="en-US" dirty="0"/>
+          </a:p>
+        </p:txBody>
+      </p:sp>
+    </p:spTree>
+    <p:extLst>
+      <p:ext uri="{BB962C8B-B14F-4D97-AF65-F5344CB8AC3E}">
+        <p14:creationId xmlns:p14="http://schemas.microsoft.com/office/powerpoint/2010/main" val="1075703636"/>
+      </p:ext>
+    </p:extLst>
+  </p:cSld>
+  <p:clrMapOvr>
+    <a:masterClrMapping/>
+  </p:clrMapOvr>
+</p:sld>
+</file>
+
+<file path=ppt/slides/slide7.xml><?xml version="1.0" encoding="utf-8"?>
 <p:sld xmlns:a="http://schemas.openxmlformats.org/drawingml/2006/main" xmlns:r="http://schemas.openxmlformats.org/officeDocument/2006/relationships" xmlns:p="http://schemas.openxmlformats.org/presentationml/2006/main">
   <p:cSld>
     <p:spTree>
@@ -11313,7 +11913,7 @@
           <a:p>
             <a:fld id="{94613EF8-138C-EE4A-98C4-7FE3A831C097}" type="slidenum">
               <a:rPr lang="fi-FI" smtClean="0"/>
-              <a:t>6</a:t>
+              <a:t>7</a:t>
             </a:fld>
             <a:endParaRPr lang="fi-FI" dirty="0"/>
           </a:p>
@@ -11352,311 +11952,6 @@
     <p:extLst>
       <p:ext uri="{BB962C8B-B14F-4D97-AF65-F5344CB8AC3E}">
         <p14:creationId xmlns:p14="http://schemas.microsoft.com/office/powerpoint/2010/main" val="3182245484"/>
-      </p:ext>
-    </p:extLst>
-  </p:cSld>
-  <p:clrMapOvr>
-    <a:masterClrMapping/>
-  </p:clrMapOvr>
-</p:sld>
-</file>
-
-<file path=ppt/slides/slide7.xml><?xml version="1.0" encoding="utf-8"?>
-<p:sld xmlns:a="http://schemas.openxmlformats.org/drawingml/2006/main" xmlns:r="http://schemas.openxmlformats.org/officeDocument/2006/relationships" xmlns:p="http://schemas.openxmlformats.org/presentationml/2006/main">
-  <p:cSld>
-    <p:spTree>
-      <p:nvGrpSpPr>
-        <p:cNvPr id="1" name=""/>
-        <p:cNvGrpSpPr/>
-        <p:nvPr/>
-      </p:nvGrpSpPr>
-      <p:grpSpPr>
-        <a:xfrm>
-          <a:off x="0" y="0"/>
-          <a:ext cx="0" cy="0"/>
-          <a:chOff x="0" y="0"/>
-          <a:chExt cx="0" cy="0"/>
-        </a:xfrm>
-      </p:grpSpPr>
-      <p:sp>
-        <p:nvSpPr>
-          <p:cNvPr id="6" name="Title 5">
-            <a:extLst>
-              <a:ext uri="{FF2B5EF4-FFF2-40B4-BE49-F238E27FC236}">
-                <a16:creationId xmlns:a16="http://schemas.microsoft.com/office/drawing/2014/main" id="{BF97D7A0-6CFE-0F42-91F1-7235D40ABD2E}"/>
-              </a:ext>
-            </a:extLst>
-          </p:cNvPr>
-          <p:cNvSpPr>
-            <a:spLocks noGrp="1"/>
-          </p:cNvSpPr>
-          <p:nvPr>
-            <p:ph type="title"/>
-          </p:nvPr>
-        </p:nvSpPr>
-        <p:spPr/>
-        <p:txBody>
-          <a:bodyPr>
-            <a:normAutofit/>
-          </a:bodyPr>
-          <a:lstStyle/>
-          <a:p>
-            <a:r>
-              <a:rPr lang="en-GB" dirty="0"/>
-              <a:t>Smart Home Scenario Description</a:t>
-            </a:r>
-          </a:p>
-        </p:txBody>
-      </p:sp>
-      <p:sp>
-        <p:nvSpPr>
-          <p:cNvPr id="2" name="Content Placeholder 1">
-            <a:extLst>
-              <a:ext uri="{FF2B5EF4-FFF2-40B4-BE49-F238E27FC236}">
-                <a16:creationId xmlns:a16="http://schemas.microsoft.com/office/drawing/2014/main" id="{A885AE56-406B-8545-B7CC-7B71DD9AAD15}"/>
-              </a:ext>
-            </a:extLst>
-          </p:cNvPr>
-          <p:cNvSpPr>
-            <a:spLocks noGrp="1"/>
-          </p:cNvSpPr>
-          <p:nvPr>
-            <p:ph idx="1"/>
-          </p:nvPr>
-        </p:nvSpPr>
-        <p:spPr>
-          <a:xfrm>
-            <a:off x="822960" y="1551094"/>
-            <a:ext cx="7543801" cy="4023360"/>
-          </a:xfrm>
-        </p:spPr>
-        <p:txBody>
-          <a:bodyPr>
-            <a:normAutofit fontScale="92500" lnSpcReduction="10000"/>
-          </a:bodyPr>
-          <a:lstStyle/>
-          <a:p>
-            <a:r>
-              <a:rPr lang="en" dirty="0"/>
-              <a:t>Smart Home equipped with</a:t>
-            </a:r>
-          </a:p>
-          <a:p>
-            <a:pPr lvl="1"/>
-            <a:r>
-              <a:rPr lang="fi-FI" sz="1900" dirty="0"/>
-              <a:t>Temperature and Humidity sensor (SHT-20)</a:t>
-            </a:r>
-            <a:endParaRPr lang="en" sz="1900" dirty="0"/>
-          </a:p>
-          <a:p>
-            <a:pPr lvl="1"/>
-            <a:r>
-              <a:rPr lang="en" sz="1900" dirty="0"/>
-              <a:t>CO2 sensor (S-100)</a:t>
-            </a:r>
-          </a:p>
-          <a:p>
-            <a:r>
-              <a:rPr lang="en-US" dirty="0"/>
-              <a:t>Wrapper to </a:t>
-            </a:r>
-            <a:r>
-              <a:rPr lang="en" dirty="0"/>
-              <a:t>publish smart home data to </a:t>
-            </a:r>
-            <a:r>
-              <a:rPr lang="en-US" dirty="0"/>
-              <a:t>O-MI node</a:t>
-            </a:r>
-            <a:endParaRPr lang="en" dirty="0"/>
-          </a:p>
-          <a:p>
-            <a:pPr lvl="1"/>
-            <a:r>
-              <a:rPr lang="en-US" dirty="0"/>
-              <a:t>Read sensor value</a:t>
-            </a:r>
-          </a:p>
-          <a:p>
-            <a:pPr lvl="1"/>
-            <a:r>
-              <a:rPr lang="en-US" dirty="0"/>
-              <a:t>Translate it to O-DF</a:t>
-            </a:r>
-          </a:p>
-          <a:p>
-            <a:pPr lvl="1"/>
-            <a:r>
-              <a:rPr lang="en-US" dirty="0"/>
-              <a:t>Put it in O-MI Write request</a:t>
-            </a:r>
-          </a:p>
-          <a:p>
-            <a:pPr lvl="1"/>
-            <a:r>
-              <a:rPr lang="en-US" dirty="0"/>
-              <a:t>Send with HTTP POST request</a:t>
-            </a:r>
-            <a:endParaRPr lang="en" dirty="0"/>
-          </a:p>
-          <a:p>
-            <a:r>
-              <a:rPr lang="en" u="sng" dirty="0"/>
-              <a:t>Developer</a:t>
-            </a:r>
-            <a:r>
-              <a:rPr lang="en" dirty="0"/>
-              <a:t> </a:t>
-            </a:r>
-            <a:r>
-              <a:rPr lang="en-US" dirty="0"/>
-              <a:t>can </a:t>
-            </a:r>
-            <a:r>
-              <a:rPr lang="en" dirty="0"/>
-              <a:t>test the system using web-client</a:t>
-            </a:r>
-          </a:p>
-          <a:p>
-            <a:r>
-              <a:rPr lang="en" u="sng" dirty="0"/>
-              <a:t>Data consumer</a:t>
-            </a:r>
-            <a:r>
-              <a:rPr lang="en" dirty="0"/>
-              <a:t> (Monitoring unit) </a:t>
-            </a:r>
-            <a:r>
-              <a:rPr lang="en-US" dirty="0"/>
-              <a:t>might </a:t>
-            </a:r>
-            <a:r>
-              <a:rPr lang="en" dirty="0"/>
-              <a:t>be int</a:t>
-            </a:r>
-            <a:r>
-              <a:rPr lang="fi-FI" dirty="0"/>
-              <a:t>e</a:t>
-            </a:r>
-            <a:r>
-              <a:rPr lang="en" dirty="0"/>
-              <a:t>rested </a:t>
-            </a:r>
-            <a:r>
-              <a:rPr lang="en-US" dirty="0"/>
-              <a:t>in </a:t>
-            </a:r>
-            <a:r>
-              <a:rPr lang="en" dirty="0"/>
-              <a:t>these sensor values for </a:t>
-            </a:r>
-            <a:r>
-              <a:rPr lang="en-US" dirty="0"/>
-              <a:t>analyzing the required object values</a:t>
-            </a:r>
-            <a:r>
-              <a:rPr lang="en" dirty="0"/>
-              <a:t>. </a:t>
-            </a:r>
-            <a:r>
-              <a:rPr lang="en-US" dirty="0"/>
-              <a:t>It</a:t>
-            </a:r>
-            <a:r>
-              <a:rPr lang="en" dirty="0"/>
-              <a:t> can subscribe </a:t>
-            </a:r>
-            <a:r>
-              <a:rPr lang="en-US" dirty="0"/>
-              <a:t>to</a:t>
-            </a:r>
-            <a:r>
-              <a:rPr lang="en" dirty="0"/>
-              <a:t> the object</a:t>
-            </a:r>
-            <a:r>
-              <a:rPr lang="en-US" dirty="0"/>
-              <a:t>s</a:t>
-            </a:r>
-            <a:r>
-              <a:rPr lang="en" dirty="0"/>
-              <a:t> of interest</a:t>
-            </a:r>
-          </a:p>
-          <a:p>
-            <a:pPr lvl="1"/>
-            <a:endParaRPr lang="en" dirty="0"/>
-          </a:p>
-        </p:txBody>
-      </p:sp>
-      <p:sp>
-        <p:nvSpPr>
-          <p:cNvPr id="3" name="Slide Number Placeholder 2">
-            <a:extLst>
-              <a:ext uri="{FF2B5EF4-FFF2-40B4-BE49-F238E27FC236}">
-                <a16:creationId xmlns:a16="http://schemas.microsoft.com/office/drawing/2014/main" id="{B430E6AB-DDAC-47B7-B6CC-CA642F4BD931}"/>
-              </a:ext>
-            </a:extLst>
-          </p:cNvPr>
-          <p:cNvSpPr>
-            <a:spLocks noGrp="1"/>
-          </p:cNvSpPr>
-          <p:nvPr>
-            <p:ph type="sldNum" sz="quarter" idx="11"/>
-          </p:nvPr>
-        </p:nvSpPr>
-        <p:spPr>
-          <a:xfrm>
-            <a:off x="7791104" y="6449626"/>
-            <a:ext cx="984019" cy="365125"/>
-          </a:xfrm>
-        </p:spPr>
-        <p:txBody>
-          <a:bodyPr/>
-          <a:lstStyle/>
-          <a:p>
-            <a:fld id="{94613EF8-138C-EE4A-98C4-7FE3A831C097}" type="slidenum">
-              <a:rPr lang="fi-FI" smtClean="0"/>
-              <a:t>7</a:t>
-            </a:fld>
-            <a:endParaRPr lang="fi-FI" dirty="0"/>
-          </a:p>
-        </p:txBody>
-      </p:sp>
-      <p:sp>
-        <p:nvSpPr>
-          <p:cNvPr id="4" name="Footer Placeholder 3">
-            <a:extLst>
-              <a:ext uri="{FF2B5EF4-FFF2-40B4-BE49-F238E27FC236}">
-                <a16:creationId xmlns:a16="http://schemas.microsoft.com/office/drawing/2014/main" id="{9EAFAA6E-0B21-4E35-B455-CDF25F188F4B}"/>
-              </a:ext>
-            </a:extLst>
-          </p:cNvPr>
-          <p:cNvSpPr>
-            <a:spLocks noGrp="1"/>
-          </p:cNvSpPr>
-          <p:nvPr>
-            <p:ph type="ftr" sz="quarter" idx="10"/>
-          </p:nvPr>
-        </p:nvSpPr>
-        <p:spPr/>
-        <p:txBody>
-          <a:bodyPr/>
-          <a:lstStyle/>
-          <a:p>
-            <a:r>
-              <a:rPr lang="en-US"/>
-              <a:t>07-05-2019</a:t>
-            </a:r>
-            <a:endParaRPr lang="en-US" dirty="0"/>
-          </a:p>
-        </p:txBody>
-      </p:sp>
-    </p:spTree>
-    <p:extLst>
-      <p:ext uri="{BB962C8B-B14F-4D97-AF65-F5344CB8AC3E}">
-        <p14:creationId xmlns:p14="http://schemas.microsoft.com/office/powerpoint/2010/main" val="155332092"/>
       </p:ext>
     </p:extLst>
   </p:cSld>
@@ -11685,10 +11980,10 @@
       </p:grpSpPr>
       <p:sp>
         <p:nvSpPr>
-          <p:cNvPr id="2" name="Title 1">
+          <p:cNvPr id="6" name="Title 5">
             <a:extLst>
               <a:ext uri="{FF2B5EF4-FFF2-40B4-BE49-F238E27FC236}">
-                <a16:creationId xmlns:a16="http://schemas.microsoft.com/office/drawing/2014/main" id="{54D0EA18-9A07-4E47-95DE-3F42BC76F540}"/>
+                <a16:creationId xmlns:a16="http://schemas.microsoft.com/office/drawing/2014/main" id="{BF97D7A0-6CFE-0F42-91F1-7235D40ABD2E}"/>
               </a:ext>
             </a:extLst>
           </p:cNvPr>
@@ -11701,68 +11996,206 @@
         </p:nvSpPr>
         <p:spPr/>
         <p:txBody>
-          <a:bodyPr/>
-          <a:lstStyle/>
-          <a:p>
+          <a:bodyPr>
+            <a:normAutofit/>
+          </a:bodyPr>
+          <a:lstStyle/>
+          <a:p>
+            <a:r>
+              <a:rPr lang="en-GB" dirty="0"/>
+              <a:t>Smart Home Scenario Description</a:t>
+            </a:r>
+          </a:p>
+        </p:txBody>
+      </p:sp>
+      <p:sp>
+        <p:nvSpPr>
+          <p:cNvPr id="2" name="Content Placeholder 1">
+            <a:extLst>
+              <a:ext uri="{FF2B5EF4-FFF2-40B4-BE49-F238E27FC236}">
+                <a16:creationId xmlns:a16="http://schemas.microsoft.com/office/drawing/2014/main" id="{A885AE56-406B-8545-B7CC-7B71DD9AAD15}"/>
+              </a:ext>
+            </a:extLst>
+          </p:cNvPr>
+          <p:cNvSpPr>
+            <a:spLocks noGrp="1"/>
+          </p:cNvSpPr>
+          <p:nvPr>
+            <p:ph idx="1"/>
+          </p:nvPr>
+        </p:nvSpPr>
+        <p:spPr>
+          <a:xfrm>
+            <a:off x="822960" y="1551094"/>
+            <a:ext cx="7543801" cy="4023360"/>
+          </a:xfrm>
+        </p:spPr>
+        <p:txBody>
+          <a:bodyPr>
+            <a:normAutofit fontScale="92500" lnSpcReduction="10000"/>
+          </a:bodyPr>
+          <a:lstStyle/>
+          <a:p>
+            <a:r>
+              <a:rPr lang="en" dirty="0"/>
+              <a:t>Smart Home equipped with</a:t>
+            </a:r>
+          </a:p>
+          <a:p>
+            <a:pPr lvl="1"/>
+            <a:r>
+              <a:rPr lang="fi-FI" sz="1900" dirty="0"/>
+              <a:t>Temperature and Humidity sensor (SHT-20)</a:t>
+            </a:r>
+            <a:endParaRPr lang="en" sz="1900" dirty="0"/>
+          </a:p>
+          <a:p>
+            <a:pPr lvl="1"/>
+            <a:r>
+              <a:rPr lang="en" sz="1900" dirty="0"/>
+              <a:t>CO2 sensor (S-100)</a:t>
+            </a:r>
+          </a:p>
+          <a:p>
+            <a:r>
+              <a:rPr lang="en-US" dirty="0"/>
+              <a:t>Wrapper to </a:t>
+            </a:r>
+            <a:r>
+              <a:rPr lang="en" dirty="0"/>
+              <a:t>publish smart home data to </a:t>
+            </a:r>
+            <a:r>
+              <a:rPr lang="en-US" dirty="0"/>
+              <a:t>O-MI node</a:t>
+            </a:r>
+            <a:endParaRPr lang="en" dirty="0"/>
+          </a:p>
+          <a:p>
+            <a:pPr lvl="1"/>
+            <a:r>
+              <a:rPr lang="en-US" dirty="0"/>
+              <a:t>Read sensor value</a:t>
+            </a:r>
+          </a:p>
+          <a:p>
+            <a:pPr lvl="1"/>
+            <a:r>
+              <a:rPr lang="en-US" dirty="0"/>
+              <a:t>Translate it to O-DF</a:t>
+            </a:r>
+          </a:p>
+          <a:p>
+            <a:pPr lvl="1"/>
+            <a:r>
+              <a:rPr lang="en-US" dirty="0"/>
+              <a:t>Put it in O-MI Write request</a:t>
+            </a:r>
+          </a:p>
+          <a:p>
+            <a:pPr lvl="1"/>
+            <a:r>
+              <a:rPr lang="en-US" dirty="0"/>
+              <a:t>Send with HTTP POST request</a:t>
+            </a:r>
+            <a:endParaRPr lang="en" dirty="0"/>
+          </a:p>
+          <a:p>
+            <a:r>
+              <a:rPr lang="en" u="sng" dirty="0"/>
+              <a:t>Developer</a:t>
+            </a:r>
+            <a:r>
+              <a:rPr lang="en" dirty="0"/>
+              <a:t> </a:t>
+            </a:r>
+            <a:r>
+              <a:rPr lang="en-US" dirty="0"/>
+              <a:t>can </a:t>
+            </a:r>
+            <a:r>
+              <a:rPr lang="en" dirty="0"/>
+              <a:t>test the system using web-client</a:t>
+            </a:r>
+          </a:p>
+          <a:p>
+            <a:r>
+              <a:rPr lang="en" u="sng" dirty="0"/>
+              <a:t>Data consumer</a:t>
+            </a:r>
+            <a:r>
+              <a:rPr lang="en" dirty="0"/>
+              <a:t> (Monitoring unit) </a:t>
+            </a:r>
+            <a:r>
+              <a:rPr lang="en-US" dirty="0"/>
+              <a:t>might </a:t>
+            </a:r>
+            <a:r>
+              <a:rPr lang="en" dirty="0"/>
+              <a:t>be int</a:t>
+            </a:r>
             <a:r>
               <a:rPr lang="fi-FI" dirty="0"/>
-              <a:t>Hardware and Sensors Provided</a:t>
-            </a:r>
-            <a:endParaRPr lang="en-US" dirty="0"/>
-          </a:p>
-        </p:txBody>
-      </p:sp>
-      <p:sp>
-        <p:nvSpPr>
-          <p:cNvPr id="3" name="Content Placeholder 2">
+              <a:t>e</a:t>
+            </a:r>
+            <a:r>
+              <a:rPr lang="en" dirty="0"/>
+              <a:t>rested </a:t>
+            </a:r>
+            <a:r>
+              <a:rPr lang="en-US" dirty="0"/>
+              <a:t>in </a:t>
+            </a:r>
+            <a:r>
+              <a:rPr lang="en" dirty="0"/>
+              <a:t>these sensor values for </a:t>
+            </a:r>
+            <a:r>
+              <a:rPr lang="en-US" dirty="0"/>
+              <a:t>analyzing the required object values</a:t>
+            </a:r>
+            <a:r>
+              <a:rPr lang="en" dirty="0"/>
+              <a:t>. </a:t>
+            </a:r>
+            <a:r>
+              <a:rPr lang="en-US" dirty="0"/>
+              <a:t>It</a:t>
+            </a:r>
+            <a:r>
+              <a:rPr lang="en" dirty="0"/>
+              <a:t> can subscribe </a:t>
+            </a:r>
+            <a:r>
+              <a:rPr lang="en-US" dirty="0"/>
+              <a:t>to</a:t>
+            </a:r>
+            <a:r>
+              <a:rPr lang="en" dirty="0"/>
+              <a:t> the object</a:t>
+            </a:r>
+            <a:r>
+              <a:rPr lang="en-US" dirty="0"/>
+              <a:t>s</a:t>
+            </a:r>
+            <a:r>
+              <a:rPr lang="en" dirty="0"/>
+              <a:t> of interest</a:t>
+            </a:r>
+          </a:p>
+          <a:p>
+            <a:pPr lvl="1"/>
+            <a:endParaRPr lang="en" dirty="0"/>
+          </a:p>
+        </p:txBody>
+      </p:sp>
+      <p:sp>
+        <p:nvSpPr>
+          <p:cNvPr id="3" name="Slide Number Placeholder 2">
             <a:extLst>
               <a:ext uri="{FF2B5EF4-FFF2-40B4-BE49-F238E27FC236}">
-                <a16:creationId xmlns:a16="http://schemas.microsoft.com/office/drawing/2014/main" id="{EF4B2F79-D000-44DF-87A0-CC1B10F72BC3}"/>
-              </a:ext>
-            </a:extLst>
-          </p:cNvPr>
-          <p:cNvSpPr>
-            <a:spLocks noGrp="1"/>
-          </p:cNvSpPr>
-          <p:nvPr>
-            <p:ph idx="1"/>
-          </p:nvPr>
-        </p:nvSpPr>
-        <p:spPr>
-          <a:xfrm>
-            <a:off x="822959" y="1479974"/>
-            <a:ext cx="7543801" cy="4023360"/>
-          </a:xfrm>
-        </p:spPr>
-        <p:txBody>
-          <a:bodyPr/>
-          <a:lstStyle/>
-          <a:p>
-            <a:r>
-              <a:rPr lang="fi-FI" dirty="0"/>
-              <a:t>ESP8266 WiFi development modules</a:t>
-            </a:r>
-          </a:p>
-          <a:p>
-            <a:r>
-              <a:rPr lang="fi-FI" dirty="0"/>
-              <a:t>SHT20 Temperature and humidity sensor</a:t>
-            </a:r>
-          </a:p>
-          <a:p>
-            <a:r>
-              <a:rPr lang="fi-FI" dirty="0"/>
-              <a:t>S-100 CO2 sensor</a:t>
-            </a:r>
-          </a:p>
-        </p:txBody>
-      </p:sp>
-      <p:sp>
-        <p:nvSpPr>
-          <p:cNvPr id="5" name="Slide Number Placeholder 4">
-            <a:extLst>
-              <a:ext uri="{FF2B5EF4-FFF2-40B4-BE49-F238E27FC236}">
-                <a16:creationId xmlns:a16="http://schemas.microsoft.com/office/drawing/2014/main" id="{27801317-626A-4DA0-AE4C-EB8F84392D61}"/>
+                <a16:creationId xmlns:a16="http://schemas.microsoft.com/office/drawing/2014/main" id="{B430E6AB-DDAC-47B7-B6CC-CA642F4BD931}"/>
               </a:ext>
             </a:extLst>
           </p:cNvPr>
@@ -11793,10 +12226,10 @@
       </p:sp>
       <p:sp>
         <p:nvSpPr>
-          <p:cNvPr id="6" name="Footer Placeholder 5">
+          <p:cNvPr id="4" name="Footer Placeholder 3">
             <a:extLst>
               <a:ext uri="{FF2B5EF4-FFF2-40B4-BE49-F238E27FC236}">
-                <a16:creationId xmlns:a16="http://schemas.microsoft.com/office/drawing/2014/main" id="{8267EAA0-FD4C-4FCD-BDAC-92F950A70892}"/>
+                <a16:creationId xmlns:a16="http://schemas.microsoft.com/office/drawing/2014/main" id="{9EAFAA6E-0B21-4E35-B455-CDF25F188F4B}"/>
               </a:ext>
             </a:extLst>
           </p:cNvPr>
@@ -11823,7 +12256,7 @@
     </p:spTree>
     <p:extLst>
       <p:ext uri="{BB962C8B-B14F-4D97-AF65-F5344CB8AC3E}">
-        <p14:creationId xmlns:p14="http://schemas.microsoft.com/office/powerpoint/2010/main" val="1909822561"/>
+        <p14:creationId xmlns:p14="http://schemas.microsoft.com/office/powerpoint/2010/main" val="155332092"/>
       </p:ext>
     </p:extLst>
   </p:cSld>
@@ -11836,14 +12269,6 @@
 <file path=ppt/slides/slide9.xml><?xml version="1.0" encoding="utf-8"?>
 <p:sld xmlns:a="http://schemas.openxmlformats.org/drawingml/2006/main" xmlns:r="http://schemas.openxmlformats.org/officeDocument/2006/relationships" xmlns:p="http://schemas.openxmlformats.org/presentationml/2006/main">
   <p:cSld>
-    <p:bg>
-      <p:bgPr>
-        <a:solidFill>
-          <a:schemeClr val="bg1"/>
-        </a:solidFill>
-        <a:effectLst/>
-      </p:bgPr>
-    </p:bg>
     <p:spTree>
       <p:nvGrpSpPr>
         <p:cNvPr id="1" name=""/>
@@ -11858,156 +12283,86 @@
           <a:chExt cx="0" cy="0"/>
         </a:xfrm>
       </p:grpSpPr>
-      <p:sp useBgFill="1">
-        <p:nvSpPr>
-          <p:cNvPr id="11" name="Rectangle 10">
+      <p:sp>
+        <p:nvSpPr>
+          <p:cNvPr id="2" name="Title 1">
             <a:extLst>
               <a:ext uri="{FF2B5EF4-FFF2-40B4-BE49-F238E27FC236}">
-                <a16:creationId xmlns:a16="http://schemas.microsoft.com/office/drawing/2014/main" id="{3741B58E-3B65-4A01-A276-975AB2CF8A08}"/>
-              </a:ext>
-              <a:ext uri="{C183D7F6-B498-43B3-948B-1728B52AA6E4}">
-                <adec:decorative xmlns:adec="http://schemas.microsoft.com/office/drawing/2017/decorative" val="1"/>
+                <a16:creationId xmlns:a16="http://schemas.microsoft.com/office/drawing/2014/main" id="{54D0EA18-9A07-4E47-95DE-3F42BC76F540}"/>
               </a:ext>
             </a:extLst>
           </p:cNvPr>
           <p:cNvSpPr>
-            <a:spLocks noGrp="1" noRot="1" noChangeAspect="1" noMove="1" noResize="1" noEditPoints="1" noAdjustHandles="1" noChangeArrowheads="1" noChangeShapeType="1" noTextEdit="1"/>
-          </p:cNvSpPr>
-          <p:nvPr>
-            <p:extLst>
-              <p:ext uri="{386F3935-93C4-4BCD-93E2-E3B085C9AB24}">
-                <p16:designElem xmlns:p16="http://schemas.microsoft.com/office/powerpoint/2015/main" val="1"/>
-              </p:ext>
-            </p:extLst>
-          </p:nvPr>
-        </p:nvSpPr>
-        <p:spPr>
-          <a:xfrm>
-            <a:off x="0" y="0"/>
-            <a:ext cx="9139736" cy="6858000"/>
-          </a:xfrm>
-          <a:prstGeom prst="rect">
-            <a:avLst/>
-          </a:prstGeom>
-          <a:ln>
-            <a:noFill/>
-          </a:ln>
-        </p:spPr>
-        <p:style>
-          <a:lnRef idx="2">
-            <a:schemeClr val="accent6">
-              <a:shade val="50000"/>
-            </a:schemeClr>
-          </a:lnRef>
-          <a:fillRef idx="1001">
-            <a:schemeClr val="lt1"/>
-          </a:fillRef>
-          <a:effectRef idx="0">
-            <a:schemeClr val="accent6"/>
-          </a:effectRef>
-          <a:fontRef idx="minor">
-            <a:schemeClr val="lt1"/>
-          </a:fontRef>
-        </p:style>
-        <p:txBody>
-          <a:bodyPr rtlCol="0" anchor="ctr"/>
-          <a:lstStyle/>
-          <a:p>
-            <a:pPr marL="0" marR="0" lvl="0" indent="0" algn="ctr" defTabSz="457200" rtl="0" eaLnBrk="1" fontAlgn="auto" latinLnBrk="0" hangingPunct="1">
-              <a:lnSpc>
-                <a:spcPct val="100000"/>
-              </a:lnSpc>
-              <a:spcBef>
-                <a:spcPts val="0"/>
-              </a:spcBef>
-              <a:spcAft>
-                <a:spcPts val="0"/>
-              </a:spcAft>
-              <a:buClrTx/>
-              <a:buSzTx/>
-              <a:buFontTx/>
-              <a:buNone/>
-              <a:tabLst/>
-              <a:defRPr/>
-            </a:pPr>
-            <a:endParaRPr kumimoji="0" lang="en-US" sz="1800" b="0" i="0" u="none" strike="noStrike" kern="1200" cap="none" spc="0" normalizeH="0" baseline="0" noProof="0">
-              <a:ln>
-                <a:noFill/>
-              </a:ln>
-              <a:solidFill>
-                <a:prstClr val="white"/>
-              </a:solidFill>
-              <a:effectLst/>
-              <a:uLnTx/>
-              <a:uFillTx/>
-              <a:latin typeface="Calibri" panose="020F0502020204030204"/>
-              <a:ea typeface="+mn-ea"/>
-              <a:cs typeface="+mn-cs"/>
-            </a:endParaRPr>
-          </a:p>
-        </p:txBody>
-      </p:sp>
-      <p:sp>
-        <p:nvSpPr>
-          <p:cNvPr id="13" name="Rectangle 12">
+            <a:spLocks noGrp="1"/>
+          </p:cNvSpPr>
+          <p:nvPr>
+            <p:ph type="title"/>
+          </p:nvPr>
+        </p:nvSpPr>
+        <p:spPr/>
+        <p:txBody>
+          <a:bodyPr/>
+          <a:lstStyle/>
+          <a:p>
+            <a:r>
+              <a:rPr lang="fi-FI" dirty="0"/>
+              <a:t>Hardware and Sensors Provided</a:t>
+            </a:r>
+            <a:endParaRPr lang="en-US" dirty="0"/>
+          </a:p>
+        </p:txBody>
+      </p:sp>
+      <p:sp>
+        <p:nvSpPr>
+          <p:cNvPr id="3" name="Content Placeholder 2">
             <a:extLst>
               <a:ext uri="{FF2B5EF4-FFF2-40B4-BE49-F238E27FC236}">
-                <a16:creationId xmlns:a16="http://schemas.microsoft.com/office/drawing/2014/main" id="{7AAC67C3-831B-4AB1-A259-DFB839CAFAFC}"/>
-              </a:ext>
-              <a:ext uri="{C183D7F6-B498-43B3-948B-1728B52AA6E4}">
-                <adec:decorative xmlns:adec="http://schemas.microsoft.com/office/drawing/2017/decorative" val="1"/>
+                <a16:creationId xmlns:a16="http://schemas.microsoft.com/office/drawing/2014/main" id="{EF4B2F79-D000-44DF-87A0-CC1B10F72BC3}"/>
               </a:ext>
             </a:extLst>
           </p:cNvPr>
           <p:cNvSpPr>
-            <a:spLocks noGrp="1" noRot="1" noChangeAspect="1" noMove="1" noResize="1" noEditPoints="1" noAdjustHandles="1" noChangeArrowheads="1" noChangeShapeType="1" noTextEdit="1"/>
-          </p:cNvSpPr>
-          <p:nvPr>
-            <p:extLst>
-              <p:ext uri="{386F3935-93C4-4BCD-93E2-E3B085C9AB24}">
-                <p16:designElem xmlns:p16="http://schemas.microsoft.com/office/powerpoint/2015/main" val="1"/>
-              </p:ext>
-            </p:extLst>
-          </p:nvPr>
-        </p:nvSpPr>
-        <p:spPr>
-          <a:xfrm>
-            <a:off x="12" y="0"/>
-            <a:ext cx="3038093" cy="6858000"/>
-          </a:xfrm>
-          <a:prstGeom prst="rect">
-            <a:avLst/>
-          </a:prstGeom>
-          <a:solidFill>
-            <a:schemeClr val="accent2"/>
-          </a:solidFill>
-          <a:ln>
-            <a:noFill/>
-          </a:ln>
-        </p:spPr>
-        <p:style>
-          <a:lnRef idx="2">
-            <a:schemeClr val="accent1">
-              <a:shade val="50000"/>
-            </a:schemeClr>
-          </a:lnRef>
-          <a:fillRef idx="1">
-            <a:schemeClr val="accent1"/>
-          </a:fillRef>
-          <a:effectRef idx="0">
-            <a:schemeClr val="accent1"/>
-          </a:effectRef>
-          <a:fontRef idx="minor">
-            <a:schemeClr val="lt1"/>
-          </a:fontRef>
-        </p:style>
-      </p:sp>
-      <p:sp>
-        <p:nvSpPr>
-          <p:cNvPr id="2" name="Title 1">
+            <a:spLocks noGrp="1"/>
+          </p:cNvSpPr>
+          <p:nvPr>
+            <p:ph idx="1"/>
+          </p:nvPr>
+        </p:nvSpPr>
+        <p:spPr>
+          <a:xfrm>
+            <a:off x="822959" y="1479974"/>
+            <a:ext cx="7543801" cy="4023360"/>
+          </a:xfrm>
+        </p:spPr>
+        <p:txBody>
+          <a:bodyPr/>
+          <a:lstStyle/>
+          <a:p>
+            <a:r>
+              <a:rPr lang="fi-FI" dirty="0"/>
+              <a:t>ESP8266 WiFi development modules</a:t>
+            </a:r>
+          </a:p>
+          <a:p>
+            <a:r>
+              <a:rPr lang="fi-FI" dirty="0"/>
+              <a:t>SHT20 Temperature and humidity sensor</a:t>
+            </a:r>
+          </a:p>
+          <a:p>
+            <a:r>
+              <a:rPr lang="fi-FI" dirty="0"/>
+              <a:t>S-100 CO2 sensor</a:t>
+            </a:r>
+          </a:p>
+        </p:txBody>
+      </p:sp>
+      <p:sp>
+        <p:nvSpPr>
+          <p:cNvPr id="5" name="Slide Number Placeholder 4">
             <a:extLst>
               <a:ext uri="{FF2B5EF4-FFF2-40B4-BE49-F238E27FC236}">
-                <a16:creationId xmlns:a16="http://schemas.microsoft.com/office/drawing/2014/main" id="{6D055F5A-87C3-4413-9AA8-95BD8D2408B2}"/>
+                <a16:creationId xmlns:a16="http://schemas.microsoft.com/office/drawing/2014/main" id="{27801317-626A-4DA0-AE4C-EB8F84392D61}"/>
               </a:ext>
             </a:extLst>
           </p:cNvPr>
@@ -12015,147 +12370,33 @@
             <a:spLocks noGrp="1"/>
           </p:cNvSpPr>
           <p:nvPr>
-            <p:ph type="title"/>
-          </p:nvPr>
-        </p:nvSpPr>
-        <p:spPr>
-          <a:xfrm>
-            <a:off x="369277" y="605896"/>
-            <a:ext cx="2313633" cy="5646208"/>
-          </a:xfrm>
-        </p:spPr>
-        <p:txBody>
-          <a:bodyPr anchor="ctr">
-            <a:normAutofit/>
-          </a:bodyPr>
-          <a:lstStyle/>
-          <a:p>
-            <a:r>
-              <a:rPr lang="en-US" sz="3100" dirty="0">
-                <a:solidFill>
-                  <a:srgbClr val="FFFFFF"/>
-                </a:solidFill>
-              </a:rPr>
-              <a:t>Live Demo</a:t>
-            </a:r>
-          </a:p>
-        </p:txBody>
-      </p:sp>
-      <p:sp>
-        <p:nvSpPr>
-          <p:cNvPr id="15" name="Rectangle 14">
+            <p:ph type="sldNum" sz="quarter" idx="11"/>
+          </p:nvPr>
+        </p:nvSpPr>
+        <p:spPr>
+          <a:xfrm>
+            <a:off x="7791104" y="6449626"/>
+            <a:ext cx="984019" cy="365125"/>
+          </a:xfrm>
+        </p:spPr>
+        <p:txBody>
+          <a:bodyPr/>
+          <a:lstStyle/>
+          <a:p>
+            <a:fld id="{94613EF8-138C-EE4A-98C4-7FE3A831C097}" type="slidenum">
+              <a:rPr lang="fi-FI" smtClean="0"/>
+              <a:t>9</a:t>
+            </a:fld>
+            <a:endParaRPr lang="fi-FI" dirty="0"/>
+          </a:p>
+        </p:txBody>
+      </p:sp>
+      <p:sp>
+        <p:nvSpPr>
+          <p:cNvPr id="6" name="Footer Placeholder 5">
             <a:extLst>
               <a:ext uri="{FF2B5EF4-FFF2-40B4-BE49-F238E27FC236}">
-                <a16:creationId xmlns:a16="http://schemas.microsoft.com/office/drawing/2014/main" id="{054B3F04-9EAC-45C0-B3CE-0387EEA10A0C}"/>
-              </a:ext>
-              <a:ext uri="{C183D7F6-B498-43B3-948B-1728B52AA6E4}">
-                <adec:decorative xmlns:adec="http://schemas.microsoft.com/office/drawing/2017/decorative" val="1"/>
-              </a:ext>
-            </a:extLst>
-          </p:cNvPr>
-          <p:cNvSpPr>
-            <a:spLocks noGrp="1" noRot="1" noChangeAspect="1" noMove="1" noResize="1" noEditPoints="1" noAdjustHandles="1" noChangeArrowheads="1" noChangeShapeType="1" noTextEdit="1"/>
-          </p:cNvSpPr>
-          <p:nvPr>
-            <p:extLst>
-              <p:ext uri="{386F3935-93C4-4BCD-93E2-E3B085C9AB24}">
-                <p16:designElem xmlns:p16="http://schemas.microsoft.com/office/powerpoint/2015/main" val="1"/>
-              </p:ext>
-            </p:extLst>
-          </p:nvPr>
-        </p:nvSpPr>
-        <p:spPr>
-          <a:xfrm>
-            <a:off x="3030053" y="0"/>
-            <a:ext cx="48006" cy="6858000"/>
-          </a:xfrm>
-          <a:prstGeom prst="rect">
-            <a:avLst/>
-          </a:prstGeom>
-          <a:solidFill>
-            <a:schemeClr val="accent1"/>
-          </a:solidFill>
-          <a:ln>
-            <a:noFill/>
-          </a:ln>
-        </p:spPr>
-        <p:style>
-          <a:lnRef idx="2">
-            <a:schemeClr val="accent1">
-              <a:shade val="50000"/>
-            </a:schemeClr>
-          </a:lnRef>
-          <a:fillRef idx="1">
-            <a:schemeClr val="accent1"/>
-          </a:fillRef>
-          <a:effectRef idx="0">
-            <a:schemeClr val="accent1"/>
-          </a:effectRef>
-          <a:fontRef idx="minor">
-            <a:schemeClr val="lt1"/>
-          </a:fontRef>
-        </p:style>
-      </p:sp>
-      <p:sp>
-        <p:nvSpPr>
-          <p:cNvPr id="3" name="Content Placeholder 2">
-            <a:extLst>
-              <a:ext uri="{FF2B5EF4-FFF2-40B4-BE49-F238E27FC236}">
-                <a16:creationId xmlns:a16="http://schemas.microsoft.com/office/drawing/2014/main" id="{2147BCDC-A971-45F4-B718-6FE678706843}"/>
-              </a:ext>
-            </a:extLst>
-          </p:cNvPr>
-          <p:cNvSpPr>
-            <a:spLocks noGrp="1"/>
-          </p:cNvSpPr>
-          <p:nvPr>
-            <p:ph idx="1"/>
-          </p:nvPr>
-        </p:nvSpPr>
-        <p:spPr>
-          <a:xfrm>
-            <a:off x="3556512" y="605896"/>
-            <a:ext cx="5353808" cy="5646208"/>
-          </a:xfrm>
-        </p:spPr>
-        <p:txBody>
-          <a:bodyPr anchor="ctr">
-            <a:normAutofit/>
-          </a:bodyPr>
-          <a:lstStyle/>
-          <a:p>
-            <a:pPr marL="0" indent="0">
-              <a:buNone/>
-            </a:pPr>
-            <a:r>
-              <a:rPr lang="fi-FI" sz="3200" b="1" dirty="0">
-                <a:latin typeface="+mj-lt"/>
-              </a:rPr>
-              <a:t>Implementation</a:t>
-            </a:r>
-            <a:br>
-              <a:rPr lang="fi-FI" sz="3200" b="1" dirty="0">
-                <a:latin typeface="+mj-lt"/>
-              </a:rPr>
-            </a:br>
-            <a:r>
-              <a:rPr lang="fi-FI" sz="3200" b="1" dirty="0">
-                <a:latin typeface="+mj-lt"/>
-              </a:rPr>
-              <a:t>Using ESP8266</a:t>
-            </a:r>
-            <a:endParaRPr lang="en-US" sz="3200" b="1" dirty="0">
-              <a:latin typeface="+mj-lt"/>
-            </a:endParaRPr>
-          </a:p>
-        </p:txBody>
-      </p:sp>
-      <p:sp>
-        <p:nvSpPr>
-          <p:cNvPr id="4" name="Footer Placeholder 3">
-            <a:extLst>
-              <a:ext uri="{FF2B5EF4-FFF2-40B4-BE49-F238E27FC236}">
-                <a16:creationId xmlns:a16="http://schemas.microsoft.com/office/drawing/2014/main" id="{763B29F1-BFE4-45B6-946F-A46F0CC3BA64}"/>
+                <a16:creationId xmlns:a16="http://schemas.microsoft.com/office/drawing/2014/main" id="{8267EAA0-FD4C-4FCD-BDAC-92F950A70892}"/>
               </a:ext>
             </a:extLst>
           </p:cNvPr>
@@ -12176,38 +12417,13 @@
               <a:t>07-05-2019</a:t>
             </a:r>
             <a:endParaRPr lang="en-US" dirty="0"/>
-          </a:p>
-        </p:txBody>
-      </p:sp>
-      <p:sp>
-        <p:nvSpPr>
-          <p:cNvPr id="5" name="Slide Number Placeholder 4">
-            <a:extLst>
-              <a:ext uri="{FF2B5EF4-FFF2-40B4-BE49-F238E27FC236}">
-                <a16:creationId xmlns:a16="http://schemas.microsoft.com/office/drawing/2014/main" id="{E1B057DA-79F0-4A00-9AF6-881FA9441C7A}"/>
-              </a:ext>
-            </a:extLst>
-          </p:cNvPr>
-          <p:cNvSpPr>
-            <a:spLocks noGrp="1"/>
-          </p:cNvSpPr>
-          <p:nvPr>
-            <p:ph type="sldNum" sz="quarter" idx="11"/>
-          </p:nvPr>
-        </p:nvSpPr>
-        <p:spPr/>
-        <p:txBody>
-          <a:bodyPr/>
-          <a:lstStyle/>
-          <a:p>
-            <a:endParaRPr lang="fi-FI" dirty="0"/>
           </a:p>
         </p:txBody>
       </p:sp>
     </p:spTree>
     <p:extLst>
       <p:ext uri="{BB962C8B-B14F-4D97-AF65-F5344CB8AC3E}">
-        <p14:creationId xmlns:p14="http://schemas.microsoft.com/office/powerpoint/2010/main" val="4190505023"/>
+        <p14:creationId xmlns:p14="http://schemas.microsoft.com/office/powerpoint/2010/main" val="1909822561"/>
       </p:ext>
     </p:extLst>
   </p:cSld>

--- a/sos-tutorial.pptx
+++ b/sos-tutorial.pptx
@@ -217,7 +217,7 @@
           <a:p>
             <a:fld id="{A2293CE8-EAE8-E643-9950-63EC62594436}" type="datetimeFigureOut">
               <a:rPr lang="fi-FI" smtClean="0"/>
-              <a:t>7.5.2019</a:t>
+              <a:t>8.5.2019</a:t>
             </a:fld>
             <a:endParaRPr lang="fi-FI"/>
           </a:p>
@@ -6824,7 +6824,15 @@
           <a:p>
             <a:r>
               <a:rPr lang="fi-FI" dirty="0"/>
-              <a:t>Interfacing CO2 Sensor with ESP8266</a:t>
+              <a:t>Interfacing CO</a:t>
+            </a:r>
+            <a:r>
+              <a:rPr lang="fi-FI" baseline="-25000" dirty="0"/>
+              <a:t>2</a:t>
+            </a:r>
+            <a:r>
+              <a:rPr lang="fi-FI" dirty="0"/>
+              <a:t> Sensor with ESP8266</a:t>
             </a:r>
             <a:endParaRPr lang="en-US" dirty="0"/>
           </a:p>
@@ -6903,19 +6911,7 @@
             </a:pPr>
             <a:r>
               <a:rPr lang="fi-FI" dirty="0"/>
-              <a:t>cd </a:t>
-            </a:r>
-            <a:r>
-              <a:rPr lang="fi-FI" sz="2400" dirty="0">
-                <a:solidFill>
-                  <a:srgbClr val="FF0000"/>
-                </a:solidFill>
-              </a:rPr>
-              <a:t>&lt;....&gt;</a:t>
-            </a:r>
-            <a:r>
-              <a:rPr lang="fi-FI" dirty="0"/>
-              <a:t>/SoS-Scripts/</a:t>
+              <a:t>Open SoS-Scripts/</a:t>
             </a:r>
             <a:r>
               <a:rPr lang="en-US" dirty="0"/>
@@ -6923,7 +6919,15 @@
             </a:r>
             <a:r>
               <a:rPr lang="fi-FI" dirty="0"/>
-              <a:t> (for opening test scripts for CO2 sensor)</a:t>
+              <a:t> (</a:t>
+            </a:r>
+            <a:r>
+              <a:rPr lang="fi-FI" dirty="0" err="1"/>
+              <a:t>test</a:t>
+            </a:r>
+            <a:r>
+              <a:rPr lang="fi-FI" dirty="0"/>
+              <a:t> scripts for CO2 sensor)</a:t>
             </a:r>
           </a:p>
           <a:p>
@@ -8280,23 +8284,7 @@
           <a:p>
             <a:r>
               <a:rPr lang="fi-FI" sz="2000" dirty="0"/>
-              <a:t>cd </a:t>
-            </a:r>
-            <a:r>
-              <a:rPr lang="fi-FI" sz="2000" dirty="0">
-                <a:solidFill>
-                  <a:srgbClr val="FF0000"/>
-                </a:solidFill>
-              </a:rPr>
-              <a:t>&lt;....&gt;</a:t>
-            </a:r>
-            <a:r>
-              <a:rPr lang="fi-FI" sz="2000" dirty="0">
-                <a:solidFill>
-                  <a:schemeClr val="tx1"/>
-                </a:solidFill>
-              </a:rPr>
-              <a:t>/</a:t>
+              <a:t>Open </a:t>
             </a:r>
             <a:r>
               <a:rPr lang="en-US" sz="2000" dirty="0" err="1"/>
@@ -8312,11 +8300,11 @@
             </a:r>
             <a:r>
               <a:rPr lang="en-US" sz="2000" dirty="0"/>
-              <a:t> (go to our </a:t>
+              <a:t> (</a:t>
             </a:r>
             <a:r>
               <a:rPr lang="fi-FI" sz="2000" dirty="0"/>
-              <a:t>scripts directory)</a:t>
+              <a:t>test scripts for SHT20 sensor)</a:t>
             </a:r>
           </a:p>
           <a:p>
@@ -9936,7 +9924,7 @@
         </p:spPr>
         <p:txBody>
           <a:bodyPr>
-            <a:normAutofit lnSpcReduction="10000"/>
+            <a:normAutofit fontScale="92500" lnSpcReduction="10000"/>
           </a:bodyPr>
           <a:lstStyle/>
           <a:p>
@@ -10059,7 +10047,7 @@
             </a:r>
           </a:p>
           <a:p>
-            <a:pPr marL="854075" lvl="2" indent="-182563"/>
+            <a:pPr marL="1028700" lvl="2" indent="-182563"/>
             <a:r>
               <a:rPr lang="en-US" dirty="0" err="1"/>
               <a:t>allowRequestTypesForAll</a:t>
@@ -10096,7 +10084,7 @@
             </a:r>
             <a:r>
               <a:rPr lang="en-US" dirty="0"/>
-              <a:t>bat                                                                                                          </a:t>
+              <a:t>bat                                                                                                                </a:t>
             </a:r>
             <a:r>
               <a:rPr lang="en-US" b="1" dirty="0"/>
@@ -10104,11 +10092,19 @@
             </a:r>
             <a:r>
               <a:rPr lang="en-US" dirty="0"/>
-              <a:t> cd &lt;Extracted folder&gt;/bin and run “./</a:t>
+              <a:t> cd &lt;Extracted folder&gt;/bin and add execute instructions “</a:t>
+            </a:r>
+            <a:r>
+              <a:rPr lang="en-US" dirty="0" err="1"/>
+              <a:t>chmod</a:t>
+            </a:r>
+            <a:r>
+              <a:rPr lang="en-US" dirty="0"/>
+              <a:t> +x o-mi-node” and then run “./</a:t>
             </a:r>
             <a:r>
               <a:rPr lang="en" dirty="0"/>
-              <a:t> o-mi-node</a:t>
+              <a:t>o-mi-node</a:t>
             </a:r>
             <a:r>
               <a:rPr lang="en-US" dirty="0"/>
@@ -10131,7 +10127,10 @@
               </a:rPr>
               <a:t>http://localhost:8080/</a:t>
             </a:r>
-            <a:endParaRPr lang="en-US" dirty="0"/>
+            <a:r>
+              <a:rPr lang="en-US" dirty="0"/>
+              <a:t> and click on “O-MI Test Client WebApp” (the second link) on this URL</a:t>
+            </a:r>
           </a:p>
         </p:txBody>
       </p:sp>
@@ -10329,7 +10328,7 @@
           <a:p>
             <a:r>
               <a:rPr lang="en-US" sz="2000" dirty="0"/>
-              <a:t>Select Allow the connection in the next window and hit Next</a:t>
+              <a:t>Select ‘Allow the connection’ in the next window and hit Next</a:t>
             </a:r>
           </a:p>
           <a:p>

--- a/sos-tutorial.pptx
+++ b/sos-tutorial.pptx
@@ -217,7 +217,7 @@
           <a:p>
             <a:fld id="{A2293CE8-EAE8-E643-9950-63EC62594436}" type="datetimeFigureOut">
               <a:rPr lang="fi-FI" smtClean="0"/>
-              <a:t>8.5.2019</a:t>
+              <a:t>9.5.2019</a:t>
             </a:fld>
             <a:endParaRPr lang="fi-FI"/>
           </a:p>
@@ -6154,7 +6154,15 @@
             <a:pPr lvl="1"/>
             <a:r>
               <a:rPr lang="en-US" sz="1800" dirty="0"/>
-              <a:t>Enter https://arduino.esp8266.com/stable/package_esp8266com_index.json into Additional Board Manager URLs field.</a:t>
+              <a:t>Enter </a:t>
+            </a:r>
+            <a:r>
+              <a:rPr lang="en-US" sz="1800" b="1" dirty="0"/>
+              <a:t>https://arduino.esp8266.com/stable/package_esp8266com_index.json </a:t>
+            </a:r>
+            <a:r>
+              <a:rPr lang="en-US" sz="1800" dirty="0"/>
+              <a:t>into Additional Board Manager URLs field.</a:t>
             </a:r>
           </a:p>
           <a:p>
@@ -6900,7 +6908,7 @@
             </a:pPr>
             <a:r>
               <a:rPr lang="en-US" dirty="0"/>
-              <a:t>Select port using Tools -&gt; Port</a:t>
+              <a:t>Select the port in Arduino using Tools -&gt; Port (the port where ESP is connected)</a:t>
             </a:r>
             <a:endParaRPr lang="fi-FI" dirty="0"/>
           </a:p>
@@ -6914,12 +6922,16 @@
               <a:t>Open SoS-Scripts/</a:t>
             </a:r>
             <a:r>
-              <a:rPr lang="en-US" dirty="0"/>
+              <a:rPr lang="en-US" b="1" dirty="0"/>
               <a:t>CO2_test</a:t>
             </a:r>
             <a:r>
+              <a:rPr lang="fi-FI" b="1" dirty="0"/>
+              <a:t> </a:t>
+            </a:r>
+            <a:r>
               <a:rPr lang="fi-FI" dirty="0"/>
-              <a:t> (</a:t>
+              <a:t>(</a:t>
             </a:r>
             <a:r>
               <a:rPr lang="fi-FI" dirty="0" err="1"/>
@@ -7102,7 +7114,7 @@
         </p:blipFill>
         <p:spPr>
           <a:xfrm>
-            <a:off x="3270720" y="4214772"/>
+            <a:off x="3270720" y="4452897"/>
             <a:ext cx="2762250" cy="476250"/>
           </a:xfrm>
           <a:prstGeom prst="rect">
@@ -8221,7 +8233,7 @@
           <a:p>
             <a:r>
               <a:rPr lang="fi-FI" dirty="0"/>
-              <a:t>SHT20 Sensor </a:t>
+              <a:t>Interfacing SHT20 Sensor with ESP8266 </a:t>
             </a:r>
           </a:p>
         </p:txBody>
@@ -8244,123 +8256,177 @@
         </p:nvSpPr>
         <p:spPr>
           <a:xfrm>
-            <a:off x="822959" y="1431236"/>
-            <a:ext cx="7543801" cy="4522304"/>
+            <a:off x="822959" y="1431235"/>
+            <a:ext cx="7674998" cy="4770781"/>
           </a:xfrm>
         </p:spPr>
         <p:txBody>
           <a:bodyPr>
-            <a:normAutofit/>
+            <a:normAutofit fontScale="92500" lnSpcReduction="20000"/>
           </a:bodyPr>
           <a:lstStyle/>
           <a:p>
-            <a:r>
-              <a:rPr lang="fi-FI" sz="2000" dirty="0"/>
+            <a:pPr marL="338138" indent="-338138">
+              <a:buFont typeface="+mj-lt"/>
+              <a:buAutoNum type="arabicPeriod"/>
+            </a:pPr>
+            <a:r>
+              <a:rPr lang="fi-FI" sz="2100" dirty="0"/>
               <a:t>Download the library for SHT20 from </a:t>
             </a:r>
             <a:r>
-              <a:rPr lang="en-US" sz="2000" dirty="0">
+              <a:rPr lang="en-US" sz="2100" dirty="0">
                 <a:hlinkClick r:id="rId2"/>
               </a:rPr>
               <a:t>https://github.com/DFRobot/DFRobot_SHT20</a:t>
             </a:r>
             <a:r>
-              <a:rPr lang="fi-FI" sz="2000" dirty="0"/>
-              <a:t> into the ’libraries’ folder of your Arduino installation directory (</a:t>
-            </a:r>
-            <a:r>
-              <a:rPr lang="fi-FI" sz="2000" dirty="0">
-                <a:solidFill>
-                  <a:srgbClr val="FF0000"/>
-                </a:solidFill>
-              </a:rPr>
-              <a:t>&lt;....&gt;</a:t>
-            </a:r>
-            <a:r>
-              <a:rPr lang="fi-FI" sz="2000" dirty="0"/>
-              <a:t>/Documents/Arduino/libraries). </a:t>
-            </a:r>
-          </a:p>
-          <a:p>
-            <a:r>
-              <a:rPr lang="fi-FI" sz="2000" dirty="0"/>
+              <a:rPr lang="fi-FI" sz="2100" dirty="0"/>
+              <a:t> into the ’libraries’ folder of your Arduino installation directory (Documents/Arduino/libraries/). </a:t>
+            </a:r>
+          </a:p>
+          <a:p>
+            <a:pPr marL="338138" indent="-338138">
+              <a:buFont typeface="+mj-lt"/>
+              <a:buAutoNum type="arabicPeriod"/>
+            </a:pPr>
+            <a:r>
+              <a:rPr lang="fi-FI" sz="2100" dirty="0"/>
+              <a:t>Restart the Arduino IDE</a:t>
+            </a:r>
+          </a:p>
+          <a:p>
+            <a:pPr marL="342900" indent="-342900" algn="just">
+              <a:buFont typeface="+mj-lt"/>
+              <a:buAutoNum type="arabicPeriod"/>
+            </a:pPr>
+            <a:r>
+              <a:rPr lang="fi-FI" sz="2100" dirty="0"/>
+              <a:t>In Arduino IDE, select the following board from Tools -&gt; Board</a:t>
+            </a:r>
+          </a:p>
+          <a:p>
+            <a:pPr marL="620712" lvl="1" indent="-285750" algn="just"/>
+            <a:r>
+              <a:rPr lang="fi-FI" sz="1800" dirty="0"/>
+              <a:t>LOLIN (WEMOS) D1 R2 and Mini</a:t>
+            </a:r>
+            <a:endParaRPr lang="en-US" sz="1800" dirty="0"/>
+          </a:p>
+          <a:p>
+            <a:pPr marL="347663" indent="-338138" algn="just">
+              <a:buFont typeface="+mj-lt"/>
+              <a:buAutoNum type="arabicPeriod"/>
+            </a:pPr>
+            <a:r>
+              <a:rPr lang="en-US" sz="2100" dirty="0"/>
+              <a:t>Select the port in Arduino using Tools -&gt; Port (the port where ESP is connected</a:t>
+            </a:r>
+            <a:endParaRPr lang="fi-FI" sz="2100" dirty="0"/>
+          </a:p>
+          <a:p>
+            <a:pPr marL="338138" indent="-338138">
+              <a:buFont typeface="+mj-lt"/>
+              <a:buAutoNum type="arabicPeriod"/>
+            </a:pPr>
+            <a:r>
+              <a:rPr lang="fi-FI" sz="2100" dirty="0"/>
               <a:t>Open </a:t>
             </a:r>
             <a:r>
-              <a:rPr lang="en-US" sz="2000" dirty="0" err="1"/>
+              <a:rPr lang="en-US" sz="2100" dirty="0" err="1"/>
               <a:t>SoS</a:t>
             </a:r>
             <a:r>
-              <a:rPr lang="en-US" sz="2000" dirty="0"/>
+              <a:rPr lang="en-US" sz="2100" dirty="0"/>
               <a:t>-Scripts/</a:t>
             </a:r>
             <a:r>
-              <a:rPr lang="en-US" sz="2000" dirty="0" err="1"/>
+              <a:rPr lang="en-US" sz="2100" b="1" dirty="0" err="1"/>
               <a:t>temp_humi_test</a:t>
             </a:r>
             <a:r>
-              <a:rPr lang="en-US" sz="2000" dirty="0"/>
-              <a:t> (</a:t>
-            </a:r>
-            <a:r>
-              <a:rPr lang="fi-FI" sz="2000" dirty="0"/>
+              <a:rPr lang="en-US" sz="2100" b="1" dirty="0"/>
+              <a:t> </a:t>
+            </a:r>
+            <a:r>
+              <a:rPr lang="en-US" sz="2100" dirty="0"/>
+              <a:t>(</a:t>
+            </a:r>
+            <a:r>
+              <a:rPr lang="fi-FI" sz="2100" dirty="0"/>
               <a:t>test scripts for SHT20 sensor)</a:t>
             </a:r>
           </a:p>
           <a:p>
-            <a:r>
-              <a:rPr lang="fi-FI" sz="2000" dirty="0"/>
+            <a:pPr marL="338138" indent="-338138">
+              <a:buFont typeface="+mj-lt"/>
+              <a:buAutoNum type="arabicPeriod"/>
+            </a:pPr>
+            <a:r>
+              <a:rPr lang="fi-FI" sz="2100" dirty="0"/>
               <a:t>Open create_odf tab in Arduino and change &lt;id&gt; of the Object to something unique and change the url to your O-MI Node (</a:t>
             </a:r>
             <a:r>
-              <a:rPr lang="fi-FI" sz="2000" dirty="0">
+              <a:rPr lang="fi-FI" sz="2100" dirty="0">
                 <a:hlinkClick r:id="rId3"/>
               </a:rPr>
               <a:t>http://yourIP:8080</a:t>
             </a:r>
             <a:r>
-              <a:rPr lang="fi-FI" sz="2000" dirty="0"/>
+              <a:rPr lang="fi-FI" sz="2100" dirty="0"/>
               <a:t>/)</a:t>
             </a:r>
           </a:p>
           <a:p>
-            <a:r>
-              <a:rPr lang="en-US" sz="2000" dirty="0"/>
+            <a:pPr marL="338138" indent="-338138">
+              <a:buFont typeface="+mj-lt"/>
+              <a:buAutoNum type="arabicPeriod"/>
+            </a:pPr>
+            <a:r>
+              <a:rPr lang="en-US" sz="2100" dirty="0"/>
               <a:t>P</a:t>
             </a:r>
             <a:r>
-              <a:rPr lang="fi-FI" sz="2000" dirty="0"/>
+              <a:rPr lang="fi-FI" sz="2100" dirty="0"/>
               <a:t>ress Upload button</a:t>
             </a:r>
           </a:p>
           <a:p>
-            <a:r>
-              <a:rPr lang="fi-FI" sz="2000" dirty="0"/>
-              <a:t>Tools -&gt; Serial Monitor </a:t>
-            </a:r>
-          </a:p>
-          <a:p>
-            <a:pPr lvl="1"/>
+            <a:pPr marL="338138" indent="-338138">
+              <a:buFont typeface="+mj-lt"/>
+              <a:buAutoNum type="arabicPeriod"/>
+            </a:pPr>
+            <a:r>
+              <a:rPr lang="fi-FI" sz="2100" dirty="0"/>
+              <a:t>View the output through Tools -&gt; Serial Monitor </a:t>
+            </a:r>
+          </a:p>
+          <a:p>
+            <a:pPr marL="517525" lvl="1" indent="-182563"/>
             <a:r>
               <a:rPr lang="fi-FI" sz="1800" dirty="0"/>
               <a:t>Select baud rate as 115200</a:t>
             </a:r>
           </a:p>
           <a:p>
-            <a:pPr marL="0" indent="0" algn="just">
-              <a:buNone/>
+            <a:pPr marL="457200" indent="-457200" algn="just">
+              <a:buFont typeface="+mj-lt"/>
+              <a:buAutoNum type="arabicPeriod"/>
             </a:pPr>
             <a:endParaRPr lang="fi-FI" dirty="0"/>
           </a:p>
           <a:p>
-            <a:pPr marL="0" indent="0" algn="just">
-              <a:buNone/>
+            <a:pPr marL="457200" indent="-457200" algn="just">
+              <a:buFont typeface="+mj-lt"/>
+              <a:buAutoNum type="arabicPeriod"/>
             </a:pPr>
             <a:endParaRPr lang="fi-FI" dirty="0"/>
           </a:p>
           <a:p>
-            <a:pPr marL="0" indent="0" algn="just">
-              <a:buNone/>
+            <a:pPr marL="457200" indent="-457200" algn="just">
+              <a:buFont typeface="+mj-lt"/>
+              <a:buAutoNum type="arabicPeriod"/>
             </a:pPr>
             <a:endParaRPr lang="fi-FI" dirty="0"/>
           </a:p>
@@ -8429,6 +8495,36 @@
           </a:p>
         </p:txBody>
       </p:sp>
+      <p:pic>
+        <p:nvPicPr>
+          <p:cNvPr id="6" name="Picture 5">
+            <a:extLst>
+              <a:ext uri="{FF2B5EF4-FFF2-40B4-BE49-F238E27FC236}">
+                <a16:creationId xmlns:a16="http://schemas.microsoft.com/office/drawing/2014/main" id="{9EE4629E-D223-42B0-B9B5-EE9378DE9D73}"/>
+              </a:ext>
+            </a:extLst>
+          </p:cNvPr>
+          <p:cNvPicPr>
+            <a:picLocks noChangeAspect="1"/>
+          </p:cNvPicPr>
+          <p:nvPr/>
+        </p:nvPicPr>
+        <p:blipFill>
+          <a:blip r:embed="rId4"/>
+          <a:stretch>
+            <a:fillRect/>
+          </a:stretch>
+        </p:blipFill>
+        <p:spPr>
+          <a:xfrm>
+            <a:off x="3350233" y="4861063"/>
+            <a:ext cx="2762250" cy="476250"/>
+          </a:xfrm>
+          <a:prstGeom prst="rect">
+            <a:avLst/>
+          </a:prstGeom>
+        </p:spPr>
+      </p:pic>
     </p:spTree>
     <p:extLst>
       <p:ext uri="{BB962C8B-B14F-4D97-AF65-F5344CB8AC3E}">
@@ -8904,17 +9000,7 @@
             </a:pPr>
             <a:r>
               <a:rPr lang="fi-FI" dirty="0"/>
-              <a:t>Put address of the visualization node (</a:t>
-            </a:r>
-            <a:r>
-              <a:rPr lang="en-US" dirty="0">
-                <a:hlinkClick r:id="rId3"/>
-              </a:rPr>
-              <a:t>http://192.168.1.20:8080/</a:t>
-            </a:r>
-            <a:r>
-              <a:rPr lang="fi-FI" dirty="0"/>
-              <a:t>) to ”callback” field</a:t>
+              <a:t>Put address of the visualization node to ”callback” field</a:t>
             </a:r>
           </a:p>
           <a:p>
@@ -10334,7 +10420,7 @@
           <a:p>
             <a:r>
               <a:rPr lang="en-US" sz="2000" dirty="0"/>
-              <a:t>Select the network type and click Next</a:t>
+              <a:t>Select the network type (tick all three) and click Next</a:t>
             </a:r>
           </a:p>
           <a:p>
